--- a/20180920.pptx
+++ b/20180920.pptx
@@ -224,7 +224,7 @@
             <a:fld id="{42A869BF-AD36-4466-B76B-910EFF1BE29F}" type="datetimeFigureOut">
               <a:rPr lang="zh-CN" altLang="en-US" smtClean="0"/>
               <a:pPr/>
-              <a:t>2018/9/21</a:t>
+              <a:t>2019/4/14</a:t>
             </a:fld>
             <a:endParaRPr lang="zh-CN" altLang="en-US"/>
           </a:p>
@@ -288,38 +288,37 @@
           <a:p>
             <a:pPr lvl="0"/>
             <a:r>
-              <a:rPr lang="zh-CN" altLang="en-US" smtClean="0"/>
+              <a:rPr lang="zh-CN" altLang="en-US"/>
               <a:t>编辑母版文本样式</a:t>
             </a:r>
           </a:p>
           <a:p>
             <a:pPr lvl="1"/>
             <a:r>
-              <a:rPr lang="zh-CN" altLang="en-US" smtClean="0"/>
+              <a:rPr lang="zh-CN" altLang="en-US"/>
               <a:t>第二级</a:t>
             </a:r>
           </a:p>
           <a:p>
             <a:pPr lvl="2"/>
             <a:r>
-              <a:rPr lang="zh-CN" altLang="en-US" smtClean="0"/>
+              <a:rPr lang="zh-CN" altLang="en-US"/>
               <a:t>第三级</a:t>
             </a:r>
           </a:p>
           <a:p>
             <a:pPr lvl="3"/>
             <a:r>
-              <a:rPr lang="zh-CN" altLang="en-US" smtClean="0"/>
+              <a:rPr lang="zh-CN" altLang="en-US"/>
               <a:t>第四级</a:t>
             </a:r>
           </a:p>
           <a:p>
             <a:pPr lvl="4"/>
             <a:r>
-              <a:rPr lang="zh-CN" altLang="en-US" smtClean="0"/>
+              <a:rPr lang="zh-CN" altLang="en-US"/>
               <a:t>第五级</a:t>
             </a:r>
-            <a:endParaRPr lang="zh-CN" altLang="en-US"/>
           </a:p>
         </p:txBody>
       </p:sp>
@@ -575,7 +574,7 @@
                 <a:spcPct val="0"/>
               </a:spcBef>
             </a:pPr>
-            <a:endParaRPr lang="zh-CN" altLang="zh-CN" smtClean="0"/>
+            <a:endParaRPr lang="zh-CN" altLang="zh-CN"/>
           </a:p>
         </p:txBody>
       </p:sp>
@@ -658,7 +657,7 @@
           </a:lstStyle>
           <a:p>
             <a:r>
-              <a:rPr lang="zh-CN" altLang="en-US" smtClean="0"/>
+              <a:rPr lang="zh-CN" altLang="en-US"/>
               <a:t>单击此处编辑母版标题样式</a:t>
             </a:r>
             <a:endParaRPr lang="en-US" dirty="0"/>
@@ -723,7 +722,7 @@
           </a:lstStyle>
           <a:p>
             <a:r>
-              <a:rPr lang="zh-CN" altLang="en-US" smtClean="0"/>
+              <a:rPr lang="zh-CN" altLang="en-US"/>
               <a:t>单击以编辑母版副标题样式</a:t>
             </a:r>
             <a:endParaRPr lang="en-US" dirty="0"/>
@@ -748,7 +747,7 @@
             <a:fld id="{47F5AE74-49BD-441D-9445-FF6D086278DC}" type="datetimeFigureOut">
               <a:rPr lang="zh-CN" altLang="en-US" smtClean="0"/>
               <a:pPr/>
-              <a:t>2018/9/21</a:t>
+              <a:t>2019/4/14</a:t>
             </a:fld>
             <a:endParaRPr lang="zh-CN" altLang="en-US"/>
           </a:p>
@@ -856,13 +855,6 @@
   <p:clrMapOvr>
     <a:masterClrMapping/>
   </p:clrMapOvr>
-  <p:timing>
-    <p:tnLst>
-      <p:par>
-        <p:cTn id="1" dur="indefinite" restart="never" nodeType="tmRoot"/>
-      </p:par>
-    </p:tnLst>
-  </p:timing>
 </p:sldLayout>
 </file>
 
@@ -899,7 +891,7 @@
           <a:lstStyle/>
           <a:p>
             <a:r>
-              <a:rPr lang="zh-CN" altLang="en-US" smtClean="0"/>
+              <a:rPr lang="zh-CN" altLang="en-US"/>
               <a:t>单击此处编辑母版标题样式</a:t>
             </a:r>
             <a:endParaRPr lang="en-US" dirty="0"/>
@@ -923,35 +915,35 @@
           <a:p>
             <a:pPr lvl="0"/>
             <a:r>
-              <a:rPr lang="zh-CN" altLang="en-US" smtClean="0"/>
+              <a:rPr lang="zh-CN" altLang="en-US"/>
               <a:t>编辑母版文本样式</a:t>
             </a:r>
           </a:p>
           <a:p>
             <a:pPr lvl="1"/>
             <a:r>
-              <a:rPr lang="zh-CN" altLang="en-US" smtClean="0"/>
+              <a:rPr lang="zh-CN" altLang="en-US"/>
               <a:t>第二级</a:t>
             </a:r>
           </a:p>
           <a:p>
             <a:pPr lvl="2"/>
             <a:r>
-              <a:rPr lang="zh-CN" altLang="en-US" smtClean="0"/>
+              <a:rPr lang="zh-CN" altLang="en-US"/>
               <a:t>第三级</a:t>
             </a:r>
           </a:p>
           <a:p>
             <a:pPr lvl="3"/>
             <a:r>
-              <a:rPr lang="zh-CN" altLang="en-US" smtClean="0"/>
+              <a:rPr lang="zh-CN" altLang="en-US"/>
               <a:t>第四级</a:t>
             </a:r>
           </a:p>
           <a:p>
             <a:pPr lvl="4"/>
             <a:r>
-              <a:rPr lang="zh-CN" altLang="en-US" smtClean="0"/>
+              <a:rPr lang="zh-CN" altLang="en-US"/>
               <a:t>第五级</a:t>
             </a:r>
             <a:endParaRPr lang="en-US" dirty="0"/>
@@ -976,7 +968,7 @@
             <a:fld id="{47F5AE74-49BD-441D-9445-FF6D086278DC}" type="datetimeFigureOut">
               <a:rPr lang="zh-CN" altLang="en-US" smtClean="0"/>
               <a:pPr/>
-              <a:t>2018/9/21</a:t>
+              <a:t>2019/4/14</a:t>
             </a:fld>
             <a:endParaRPr lang="zh-CN" altLang="en-US"/>
           </a:p>
@@ -1084,13 +1076,6 @@
   <p:clrMapOvr>
     <a:masterClrMapping/>
   </p:clrMapOvr>
-  <p:timing>
-    <p:tnLst>
-      <p:par>
-        <p:cTn id="1" dur="indefinite" restart="never" nodeType="tmRoot"/>
-      </p:par>
-    </p:tnLst>
-  </p:timing>
 </p:sldLayout>
 </file>
 
@@ -1132,7 +1117,7 @@
           <a:lstStyle/>
           <a:p>
             <a:r>
-              <a:rPr lang="zh-CN" altLang="en-US" smtClean="0"/>
+              <a:rPr lang="zh-CN" altLang="en-US"/>
               <a:t>单击此处编辑母版标题样式</a:t>
             </a:r>
             <a:endParaRPr lang="en-US" dirty="0"/>
@@ -1161,35 +1146,35 @@
           <a:p>
             <a:pPr lvl="0"/>
             <a:r>
-              <a:rPr lang="zh-CN" altLang="en-US" smtClean="0"/>
+              <a:rPr lang="zh-CN" altLang="en-US"/>
               <a:t>编辑母版文本样式</a:t>
             </a:r>
           </a:p>
           <a:p>
             <a:pPr lvl="1"/>
             <a:r>
-              <a:rPr lang="zh-CN" altLang="en-US" smtClean="0"/>
+              <a:rPr lang="zh-CN" altLang="en-US"/>
               <a:t>第二级</a:t>
             </a:r>
           </a:p>
           <a:p>
             <a:pPr lvl="2"/>
             <a:r>
-              <a:rPr lang="zh-CN" altLang="en-US" smtClean="0"/>
+              <a:rPr lang="zh-CN" altLang="en-US"/>
               <a:t>第三级</a:t>
             </a:r>
           </a:p>
           <a:p>
             <a:pPr lvl="3"/>
             <a:r>
-              <a:rPr lang="zh-CN" altLang="en-US" smtClean="0"/>
+              <a:rPr lang="zh-CN" altLang="en-US"/>
               <a:t>第四级</a:t>
             </a:r>
           </a:p>
           <a:p>
             <a:pPr lvl="4"/>
             <a:r>
-              <a:rPr lang="zh-CN" altLang="en-US" smtClean="0"/>
+              <a:rPr lang="zh-CN" altLang="en-US"/>
               <a:t>第五级</a:t>
             </a:r>
             <a:endParaRPr lang="en-US" dirty="0"/>
@@ -1214,7 +1199,7 @@
             <a:fld id="{47F5AE74-49BD-441D-9445-FF6D086278DC}" type="datetimeFigureOut">
               <a:rPr lang="zh-CN" altLang="en-US" smtClean="0"/>
               <a:pPr/>
-              <a:t>2018/9/21</a:t>
+              <a:t>2019/4/14</a:t>
             </a:fld>
             <a:endParaRPr lang="zh-CN" altLang="en-US"/>
           </a:p>
@@ -1322,13 +1307,6 @@
   <p:clrMapOvr>
     <a:masterClrMapping/>
   </p:clrMapOvr>
-  <p:timing>
-    <p:tnLst>
-      <p:par>
-        <p:cTn id="1" dur="indefinite" restart="never" nodeType="tmRoot"/>
-      </p:par>
-    </p:tnLst>
-  </p:timing>
 </p:sldLayout>
 </file>
 
@@ -1573,7 +1551,7 @@
           <a:lstStyle/>
           <a:p>
             <a:r>
-              <a:rPr lang="zh-CN" altLang="en-US" dirty="0" smtClean="0"/>
+              <a:rPr lang="zh-CN" altLang="en-US" dirty="0"/>
               <a:t>单击此处编辑母版标题样式</a:t>
             </a:r>
             <a:endParaRPr lang="en-US" dirty="0"/>
@@ -1597,35 +1575,35 @@
           <a:p>
             <a:pPr lvl="0"/>
             <a:r>
-              <a:rPr lang="zh-CN" altLang="en-US" smtClean="0"/>
+              <a:rPr lang="zh-CN" altLang="en-US"/>
               <a:t>编辑母版文本样式</a:t>
             </a:r>
           </a:p>
           <a:p>
             <a:pPr lvl="1"/>
             <a:r>
-              <a:rPr lang="zh-CN" altLang="en-US" smtClean="0"/>
+              <a:rPr lang="zh-CN" altLang="en-US"/>
               <a:t>第二级</a:t>
             </a:r>
           </a:p>
           <a:p>
             <a:pPr lvl="2"/>
             <a:r>
-              <a:rPr lang="zh-CN" altLang="en-US" smtClean="0"/>
+              <a:rPr lang="zh-CN" altLang="en-US"/>
               <a:t>第三级</a:t>
             </a:r>
           </a:p>
           <a:p>
             <a:pPr lvl="3"/>
             <a:r>
-              <a:rPr lang="zh-CN" altLang="en-US" smtClean="0"/>
+              <a:rPr lang="zh-CN" altLang="en-US"/>
               <a:t>第四级</a:t>
             </a:r>
           </a:p>
           <a:p>
             <a:pPr lvl="4"/>
             <a:r>
-              <a:rPr lang="zh-CN" altLang="en-US" smtClean="0"/>
+              <a:rPr lang="zh-CN" altLang="en-US"/>
               <a:t>第五级</a:t>
             </a:r>
             <a:endParaRPr lang="en-US" dirty="0"/>
@@ -1650,7 +1628,7 @@
             <a:fld id="{47F5AE74-49BD-441D-9445-FF6D086278DC}" type="datetimeFigureOut">
               <a:rPr lang="zh-CN" altLang="en-US" smtClean="0"/>
               <a:pPr/>
-              <a:t>2018/9/21</a:t>
+              <a:t>2019/4/14</a:t>
             </a:fld>
             <a:endParaRPr lang="zh-CN" altLang="en-US"/>
           </a:p>
@@ -1758,13 +1736,6 @@
   <p:clrMapOvr>
     <a:masterClrMapping/>
   </p:clrMapOvr>
-  <p:timing>
-    <p:tnLst>
-      <p:par>
-        <p:cTn id="1" dur="indefinite" restart="never" nodeType="tmRoot"/>
-      </p:par>
-    </p:tnLst>
-  </p:timing>
 </p:sldLayout>
 </file>
 
@@ -1810,7 +1781,7 @@
           </a:lstStyle>
           <a:p>
             <a:r>
-              <a:rPr lang="zh-CN" altLang="en-US" smtClean="0"/>
+              <a:rPr lang="zh-CN" altLang="en-US"/>
               <a:t>单击此处编辑母版标题样式</a:t>
             </a:r>
             <a:endParaRPr lang="en-US" dirty="0"/>
@@ -1928,7 +1899,7 @@
           <a:p>
             <a:pPr lvl="0"/>
             <a:r>
-              <a:rPr lang="zh-CN" altLang="en-US" smtClean="0"/>
+              <a:rPr lang="zh-CN" altLang="en-US"/>
               <a:t>编辑母版文本样式</a:t>
             </a:r>
           </a:p>
@@ -1952,7 +1923,7 @@
             <a:fld id="{47F5AE74-49BD-441D-9445-FF6D086278DC}" type="datetimeFigureOut">
               <a:rPr lang="zh-CN" altLang="en-US" smtClean="0"/>
               <a:pPr/>
-              <a:t>2018/9/21</a:t>
+              <a:t>2019/4/14</a:t>
             </a:fld>
             <a:endParaRPr lang="zh-CN" altLang="en-US"/>
           </a:p>
@@ -2060,13 +2031,6 @@
   <p:clrMapOvr>
     <a:masterClrMapping/>
   </p:clrMapOvr>
-  <p:timing>
-    <p:tnLst>
-      <p:par>
-        <p:cTn id="1" dur="indefinite" restart="never" nodeType="tmRoot"/>
-      </p:par>
-    </p:tnLst>
-  </p:timing>
 </p:sldLayout>
 </file>
 
@@ -2107,10 +2071,9 @@
           </a:lstStyle>
           <a:p>
             <a:r>
-              <a:rPr lang="en-US" dirty="0" smtClean="0"/>
+              <a:rPr lang="en-US" dirty="0"/>
               <a:t>01 Background</a:t>
             </a:r>
-            <a:endParaRPr lang="en-US" dirty="0"/>
           </a:p>
         </p:txBody>
       </p:sp>
@@ -2136,35 +2099,35 @@
           <a:p>
             <a:pPr lvl="0"/>
             <a:r>
-              <a:rPr lang="zh-CN" altLang="en-US" smtClean="0"/>
+              <a:rPr lang="zh-CN" altLang="en-US"/>
               <a:t>编辑母版文本样式</a:t>
             </a:r>
           </a:p>
           <a:p>
             <a:pPr lvl="1"/>
             <a:r>
-              <a:rPr lang="zh-CN" altLang="en-US" smtClean="0"/>
+              <a:rPr lang="zh-CN" altLang="en-US"/>
               <a:t>第二级</a:t>
             </a:r>
           </a:p>
           <a:p>
             <a:pPr lvl="2"/>
             <a:r>
-              <a:rPr lang="zh-CN" altLang="en-US" smtClean="0"/>
+              <a:rPr lang="zh-CN" altLang="en-US"/>
               <a:t>第三级</a:t>
             </a:r>
           </a:p>
           <a:p>
             <a:pPr lvl="3"/>
             <a:r>
-              <a:rPr lang="zh-CN" altLang="en-US" smtClean="0"/>
+              <a:rPr lang="zh-CN" altLang="en-US"/>
               <a:t>第四级</a:t>
             </a:r>
           </a:p>
           <a:p>
             <a:pPr lvl="4"/>
             <a:r>
-              <a:rPr lang="zh-CN" altLang="en-US" smtClean="0"/>
+              <a:rPr lang="zh-CN" altLang="en-US"/>
               <a:t>第五级</a:t>
             </a:r>
             <a:endParaRPr lang="en-US" dirty="0"/>
@@ -2193,35 +2156,35 @@
           <a:p>
             <a:pPr lvl="0"/>
             <a:r>
-              <a:rPr lang="zh-CN" altLang="en-US" smtClean="0"/>
+              <a:rPr lang="zh-CN" altLang="en-US"/>
               <a:t>编辑母版文本样式</a:t>
             </a:r>
           </a:p>
           <a:p>
             <a:pPr lvl="1"/>
             <a:r>
-              <a:rPr lang="zh-CN" altLang="en-US" smtClean="0"/>
+              <a:rPr lang="zh-CN" altLang="en-US"/>
               <a:t>第二级</a:t>
             </a:r>
           </a:p>
           <a:p>
             <a:pPr lvl="2"/>
             <a:r>
-              <a:rPr lang="zh-CN" altLang="en-US" smtClean="0"/>
+              <a:rPr lang="zh-CN" altLang="en-US"/>
               <a:t>第三级</a:t>
             </a:r>
           </a:p>
           <a:p>
             <a:pPr lvl="3"/>
             <a:r>
-              <a:rPr lang="zh-CN" altLang="en-US" smtClean="0"/>
+              <a:rPr lang="zh-CN" altLang="en-US"/>
               <a:t>第四级</a:t>
             </a:r>
           </a:p>
           <a:p>
             <a:pPr lvl="4"/>
             <a:r>
-              <a:rPr lang="zh-CN" altLang="en-US" smtClean="0"/>
+              <a:rPr lang="zh-CN" altLang="en-US"/>
               <a:t>第五级</a:t>
             </a:r>
             <a:endParaRPr lang="en-US" dirty="0"/>
@@ -2246,7 +2209,7 @@
             <a:fld id="{47F5AE74-49BD-441D-9445-FF6D086278DC}" type="datetimeFigureOut">
               <a:rPr lang="zh-CN" altLang="en-US" smtClean="0"/>
               <a:pPr/>
-              <a:t>2018/9/21</a:t>
+              <a:t>2019/4/14</a:t>
             </a:fld>
             <a:endParaRPr lang="zh-CN" altLang="en-US"/>
           </a:p>
@@ -2354,13 +2317,6 @@
   <p:clrMapOvr>
     <a:masterClrMapping/>
   </p:clrMapOvr>
-  <p:timing>
-    <p:tnLst>
-      <p:par>
-        <p:cTn id="1" dur="indefinite" restart="never" nodeType="tmRoot"/>
-      </p:par>
-    </p:tnLst>
-  </p:timing>
 </p:sldLayout>
 </file>
 
@@ -2402,7 +2358,7 @@
           <a:lstStyle/>
           <a:p>
             <a:r>
-              <a:rPr lang="zh-CN" altLang="en-US" smtClean="0"/>
+              <a:rPr lang="zh-CN" altLang="en-US"/>
               <a:t>单击此处编辑母版标题样式</a:t>
             </a:r>
             <a:endParaRPr lang="en-US" dirty="0"/>
@@ -2468,7 +2424,7 @@
           <a:p>
             <a:pPr lvl="0"/>
             <a:r>
-              <a:rPr lang="zh-CN" altLang="en-US" smtClean="0"/>
+              <a:rPr lang="zh-CN" altLang="en-US"/>
               <a:t>编辑母版文本样式</a:t>
             </a:r>
           </a:p>
@@ -2496,35 +2452,35 @@
           <a:p>
             <a:pPr lvl="0"/>
             <a:r>
-              <a:rPr lang="zh-CN" altLang="en-US" smtClean="0"/>
+              <a:rPr lang="zh-CN" altLang="en-US"/>
               <a:t>编辑母版文本样式</a:t>
             </a:r>
           </a:p>
           <a:p>
             <a:pPr lvl="1"/>
             <a:r>
-              <a:rPr lang="zh-CN" altLang="en-US" smtClean="0"/>
+              <a:rPr lang="zh-CN" altLang="en-US"/>
               <a:t>第二级</a:t>
             </a:r>
           </a:p>
           <a:p>
             <a:pPr lvl="2"/>
             <a:r>
-              <a:rPr lang="zh-CN" altLang="en-US" smtClean="0"/>
+              <a:rPr lang="zh-CN" altLang="en-US"/>
               <a:t>第三级</a:t>
             </a:r>
           </a:p>
           <a:p>
             <a:pPr lvl="3"/>
             <a:r>
-              <a:rPr lang="zh-CN" altLang="en-US" smtClean="0"/>
+              <a:rPr lang="zh-CN" altLang="en-US"/>
               <a:t>第四级</a:t>
             </a:r>
           </a:p>
           <a:p>
             <a:pPr lvl="4"/>
             <a:r>
-              <a:rPr lang="zh-CN" altLang="en-US" smtClean="0"/>
+              <a:rPr lang="zh-CN" altLang="en-US"/>
               <a:t>第五级</a:t>
             </a:r>
             <a:endParaRPr lang="en-US" dirty="0"/>
@@ -2590,7 +2546,7 @@
           <a:p>
             <a:pPr lvl="0"/>
             <a:r>
-              <a:rPr lang="zh-CN" altLang="en-US" smtClean="0"/>
+              <a:rPr lang="zh-CN" altLang="en-US"/>
               <a:t>编辑母版文本样式</a:t>
             </a:r>
           </a:p>
@@ -2618,35 +2574,35 @@
           <a:p>
             <a:pPr lvl="0"/>
             <a:r>
-              <a:rPr lang="zh-CN" altLang="en-US" smtClean="0"/>
+              <a:rPr lang="zh-CN" altLang="en-US"/>
               <a:t>编辑母版文本样式</a:t>
             </a:r>
           </a:p>
           <a:p>
             <a:pPr lvl="1"/>
             <a:r>
-              <a:rPr lang="zh-CN" altLang="en-US" smtClean="0"/>
+              <a:rPr lang="zh-CN" altLang="en-US"/>
               <a:t>第二级</a:t>
             </a:r>
           </a:p>
           <a:p>
             <a:pPr lvl="2"/>
             <a:r>
-              <a:rPr lang="zh-CN" altLang="en-US" smtClean="0"/>
+              <a:rPr lang="zh-CN" altLang="en-US"/>
               <a:t>第三级</a:t>
             </a:r>
           </a:p>
           <a:p>
             <a:pPr lvl="3"/>
             <a:r>
-              <a:rPr lang="zh-CN" altLang="en-US" smtClean="0"/>
+              <a:rPr lang="zh-CN" altLang="en-US"/>
               <a:t>第四级</a:t>
             </a:r>
           </a:p>
           <a:p>
             <a:pPr lvl="4"/>
             <a:r>
-              <a:rPr lang="zh-CN" altLang="en-US" smtClean="0"/>
+              <a:rPr lang="zh-CN" altLang="en-US"/>
               <a:t>第五级</a:t>
             </a:r>
             <a:endParaRPr lang="en-US" dirty="0"/>
@@ -2671,7 +2627,7 @@
             <a:fld id="{47F5AE74-49BD-441D-9445-FF6D086278DC}" type="datetimeFigureOut">
               <a:rPr lang="zh-CN" altLang="en-US" smtClean="0"/>
               <a:pPr/>
-              <a:t>2018/9/21</a:t>
+              <a:t>2019/4/14</a:t>
             </a:fld>
             <a:endParaRPr lang="zh-CN" altLang="en-US"/>
           </a:p>
@@ -2779,13 +2735,6 @@
   <p:clrMapOvr>
     <a:masterClrMapping/>
   </p:clrMapOvr>
-  <p:timing>
-    <p:tnLst>
-      <p:par>
-        <p:cTn id="1" dur="indefinite" restart="never" nodeType="tmRoot"/>
-      </p:par>
-    </p:tnLst>
-  </p:timing>
 </p:sldLayout>
 </file>
 
@@ -2822,7 +2771,7 @@
           <a:lstStyle/>
           <a:p>
             <a:r>
-              <a:rPr lang="zh-CN" altLang="en-US" smtClean="0"/>
+              <a:rPr lang="zh-CN" altLang="en-US"/>
               <a:t>单击此处编辑母版标题样式</a:t>
             </a:r>
             <a:endParaRPr lang="en-US" dirty="0"/>
@@ -2847,7 +2796,7 @@
             <a:fld id="{47F5AE74-49BD-441D-9445-FF6D086278DC}" type="datetimeFigureOut">
               <a:rPr lang="zh-CN" altLang="en-US" smtClean="0"/>
               <a:pPr/>
-              <a:t>2018/9/21</a:t>
+              <a:t>2019/4/14</a:t>
             </a:fld>
             <a:endParaRPr lang="zh-CN" altLang="en-US"/>
           </a:p>
@@ -2955,13 +2904,6 @@
   <p:clrMapOvr>
     <a:masterClrMapping/>
   </p:clrMapOvr>
-  <p:timing>
-    <p:tnLst>
-      <p:par>
-        <p:cTn id="1" dur="indefinite" restart="never" nodeType="tmRoot"/>
-      </p:par>
-    </p:tnLst>
-  </p:timing>
 </p:sldLayout>
 </file>
 
@@ -3000,7 +2942,7 @@
             <a:fld id="{47F5AE74-49BD-441D-9445-FF6D086278DC}" type="datetimeFigureOut">
               <a:rPr lang="zh-CN" altLang="en-US" smtClean="0"/>
               <a:pPr/>
-              <a:t>2018/9/21</a:t>
+              <a:t>2019/4/14</a:t>
             </a:fld>
             <a:endParaRPr lang="zh-CN" altLang="en-US"/>
           </a:p>
@@ -3108,13 +3050,6 @@
   <p:clrMapOvr>
     <a:masterClrMapping/>
   </p:clrMapOvr>
-  <p:timing>
-    <p:tnLst>
-      <p:par>
-        <p:cTn id="1" dur="indefinite" restart="never" nodeType="tmRoot"/>
-      </p:par>
-    </p:tnLst>
-  </p:timing>
 </p:sldLayout>
 </file>
 
@@ -3160,7 +3095,7 @@
           </a:lstStyle>
           <a:p>
             <a:r>
-              <a:rPr lang="zh-CN" altLang="en-US" smtClean="0"/>
+              <a:rPr lang="zh-CN" altLang="en-US"/>
               <a:t>单击此处编辑母版标题样式</a:t>
             </a:r>
             <a:endParaRPr lang="en-US" dirty="0"/>
@@ -3217,35 +3152,35 @@
           <a:p>
             <a:pPr lvl="0"/>
             <a:r>
-              <a:rPr lang="zh-CN" altLang="en-US" smtClean="0"/>
+              <a:rPr lang="zh-CN" altLang="en-US"/>
               <a:t>编辑母版文本样式</a:t>
             </a:r>
           </a:p>
           <a:p>
             <a:pPr lvl="1"/>
             <a:r>
-              <a:rPr lang="zh-CN" altLang="en-US" smtClean="0"/>
+              <a:rPr lang="zh-CN" altLang="en-US"/>
               <a:t>第二级</a:t>
             </a:r>
           </a:p>
           <a:p>
             <a:pPr lvl="2"/>
             <a:r>
-              <a:rPr lang="zh-CN" altLang="en-US" smtClean="0"/>
+              <a:rPr lang="zh-CN" altLang="en-US"/>
               <a:t>第三级</a:t>
             </a:r>
           </a:p>
           <a:p>
             <a:pPr lvl="3"/>
             <a:r>
-              <a:rPr lang="zh-CN" altLang="en-US" smtClean="0"/>
+              <a:rPr lang="zh-CN" altLang="en-US"/>
               <a:t>第四级</a:t>
             </a:r>
           </a:p>
           <a:p>
             <a:pPr lvl="4"/>
             <a:r>
-              <a:rPr lang="zh-CN" altLang="en-US" smtClean="0"/>
+              <a:rPr lang="zh-CN" altLang="en-US"/>
               <a:t>第五级</a:t>
             </a:r>
             <a:endParaRPr lang="en-US" dirty="0"/>
@@ -3311,7 +3246,7 @@
           <a:p>
             <a:pPr lvl="0"/>
             <a:r>
-              <a:rPr lang="zh-CN" altLang="en-US" smtClean="0"/>
+              <a:rPr lang="zh-CN" altLang="en-US"/>
               <a:t>编辑母版文本样式</a:t>
             </a:r>
           </a:p>
@@ -3335,7 +3270,7 @@
             <a:fld id="{47F5AE74-49BD-441D-9445-FF6D086278DC}" type="datetimeFigureOut">
               <a:rPr lang="zh-CN" altLang="en-US" smtClean="0"/>
               <a:pPr/>
-              <a:t>2018/9/21</a:t>
+              <a:t>2019/4/14</a:t>
             </a:fld>
             <a:endParaRPr lang="zh-CN" altLang="en-US"/>
           </a:p>
@@ -3443,13 +3378,6 @@
   <p:clrMapOvr>
     <a:masterClrMapping/>
   </p:clrMapOvr>
-  <p:timing>
-    <p:tnLst>
-      <p:par>
-        <p:cTn id="1" dur="indefinite" restart="never" nodeType="tmRoot"/>
-      </p:par>
-    </p:tnLst>
-  </p:timing>
 </p:sldLayout>
 </file>
 
@@ -3495,7 +3423,7 @@
           </a:lstStyle>
           <a:p>
             <a:r>
-              <a:rPr lang="zh-CN" altLang="en-US" smtClean="0"/>
+              <a:rPr lang="zh-CN" altLang="en-US"/>
               <a:t>单击此处编辑母版标题样式</a:t>
             </a:r>
             <a:endParaRPr lang="en-US" dirty="0"/>
@@ -3560,7 +3488,7 @@
           </a:lstStyle>
           <a:p>
             <a:r>
-              <a:rPr lang="zh-CN" altLang="en-US" smtClean="0"/>
+              <a:rPr lang="zh-CN" altLang="en-US"/>
               <a:t>单击图标添加图片</a:t>
             </a:r>
             <a:endParaRPr lang="en-US" dirty="0"/>
@@ -3626,7 +3554,7 @@
           <a:p>
             <a:pPr lvl="0"/>
             <a:r>
-              <a:rPr lang="zh-CN" altLang="en-US" smtClean="0"/>
+              <a:rPr lang="zh-CN" altLang="en-US"/>
               <a:t>编辑母版文本样式</a:t>
             </a:r>
           </a:p>
@@ -3650,7 +3578,7 @@
             <a:fld id="{47F5AE74-49BD-441D-9445-FF6D086278DC}" type="datetimeFigureOut">
               <a:rPr lang="zh-CN" altLang="en-US" smtClean="0"/>
               <a:pPr/>
-              <a:t>2018/9/21</a:t>
+              <a:t>2019/4/14</a:t>
             </a:fld>
             <a:endParaRPr lang="zh-CN" altLang="en-US"/>
           </a:p>
@@ -3758,13 +3686,6 @@
   <p:clrMapOvr>
     <a:masterClrMapping/>
   </p:clrMapOvr>
-  <p:timing>
-    <p:tnLst>
-      <p:par>
-        <p:cTn id="1" dur="indefinite" restart="never" nodeType="tmRoot"/>
-      </p:par>
-    </p:tnLst>
-  </p:timing>
 </p:sldLayout>
 </file>
 
@@ -3816,7 +3737,7 @@
           <a:lstStyle/>
           <a:p>
             <a:r>
-              <a:rPr lang="zh-CN" altLang="en-US" smtClean="0"/>
+              <a:rPr lang="zh-CN" altLang="en-US"/>
               <a:t>单击此处编辑母版标题样式</a:t>
             </a:r>
             <a:endParaRPr lang="en-US" dirty="0"/>
@@ -3850,35 +3771,35 @@
           <a:p>
             <a:pPr lvl="0"/>
             <a:r>
-              <a:rPr lang="zh-CN" altLang="en-US" smtClean="0"/>
+              <a:rPr lang="zh-CN" altLang="en-US"/>
               <a:t>编辑母版文本样式</a:t>
             </a:r>
           </a:p>
           <a:p>
             <a:pPr lvl="1"/>
             <a:r>
-              <a:rPr lang="zh-CN" altLang="en-US" smtClean="0"/>
+              <a:rPr lang="zh-CN" altLang="en-US"/>
               <a:t>第二级</a:t>
             </a:r>
           </a:p>
           <a:p>
             <a:pPr lvl="2"/>
             <a:r>
-              <a:rPr lang="zh-CN" altLang="en-US" smtClean="0"/>
+              <a:rPr lang="zh-CN" altLang="en-US"/>
               <a:t>第三级</a:t>
             </a:r>
           </a:p>
           <a:p>
             <a:pPr lvl="3"/>
             <a:r>
-              <a:rPr lang="zh-CN" altLang="en-US" smtClean="0"/>
+              <a:rPr lang="zh-CN" altLang="en-US"/>
               <a:t>第四级</a:t>
             </a:r>
           </a:p>
           <a:p>
             <a:pPr lvl="4"/>
             <a:r>
-              <a:rPr lang="zh-CN" altLang="en-US" smtClean="0"/>
+              <a:rPr lang="zh-CN" altLang="en-US"/>
               <a:t>第五级</a:t>
             </a:r>
             <a:endParaRPr lang="en-US" dirty="0"/>
@@ -3921,7 +3842,7 @@
             <a:fld id="{47F5AE74-49BD-441D-9445-FF6D086278DC}" type="datetimeFigureOut">
               <a:rPr lang="zh-CN" altLang="en-US" smtClean="0"/>
               <a:pPr/>
-              <a:t>2018/9/21</a:t>
+              <a:t>2019/4/14</a:t>
             </a:fld>
             <a:endParaRPr lang="zh-CN" altLang="en-US"/>
           </a:p>
@@ -4359,15 +4280,11 @@
               <a:defRPr/>
             </a:pPr>
             <a:r>
-              <a:rPr lang="zh-CN" altLang="en-US" b="1" dirty="0" smtClean="0"/>
+              <a:rPr lang="zh-CN" altLang="en-US" b="1" dirty="0"/>
               <a:t>韩朝</a:t>
             </a:r>
-            <a:r>
-              <a:rPr lang="el-GR" sz="1600" dirty="0" smtClean="0"/>
-              <a:t/>
-            </a:r>
             <a:br>
-              <a:rPr lang="el-GR" sz="1600" dirty="0" smtClean="0"/>
+              <a:rPr lang="el-GR" sz="1600" dirty="0"/>
             </a:br>
             <a:endParaRPr lang="el-GR" sz="1600" i="1" dirty="0">
               <a:solidFill>
@@ -4390,11 +4307,11 @@
               <a:defRPr/>
             </a:pPr>
             <a:r>
-              <a:rPr lang="en-US" altLang="zh-CN" sz="1600" i="1" dirty="0" smtClean="0"/>
+              <a:rPr lang="en-US" altLang="zh-CN" sz="1600" i="1" dirty="0"/>
               <a:t>Sept</a:t>
             </a:r>
             <a:r>
-              <a:rPr lang="en-US" sz="1600" i="1" dirty="0" smtClean="0">
+              <a:rPr lang="en-US" sz="1600" i="1" dirty="0">
                 <a:solidFill>
                   <a:schemeClr val="tx1"/>
                 </a:solidFill>
@@ -4402,7 +4319,7 @@
               <a:t> </a:t>
             </a:r>
             <a:r>
-              <a:rPr lang="en-US" sz="1600" i="1" dirty="0" smtClean="0"/>
+              <a:rPr lang="en-US" sz="1600" i="1" dirty="0"/>
               <a:t>2</a:t>
             </a:r>
             <a:r>
@@ -4410,18 +4327,13 @@
               <a:t>1</a:t>
             </a:r>
             <a:r>
-              <a:rPr lang="en-US" sz="1600" i="1" dirty="0" smtClean="0">
+              <a:rPr lang="en-US" sz="1600" i="1" dirty="0">
                 <a:solidFill>
                   <a:schemeClr val="tx1"/>
                 </a:solidFill>
               </a:rPr>
               <a:t>, 2018</a:t>
             </a:r>
-            <a:endParaRPr lang="en-US" sz="1600" i="1" dirty="0">
-              <a:solidFill>
-                <a:schemeClr val="tx1"/>
-              </a:solidFill>
-            </a:endParaRPr>
           </a:p>
           <a:p>
             <a:pPr eaLnBrk="1" hangingPunct="1">
@@ -4462,11 +4374,7 @@
             </a:pPr>
             <a:r>
               <a:rPr kumimoji="1" lang="zh-CN" altLang="en-US" sz="3200" b="1" dirty="0"/>
-              <a:t>基于性态的城市供水系统震后应急功能保障与韧性提升方法</a:t>
-            </a:r>
-            <a:r>
-              <a:rPr kumimoji="1" lang="zh-CN" altLang="en-US" sz="3200" b="1" dirty="0" smtClean="0"/>
-              <a:t>研究</a:t>
+              <a:t>基于性态的城市供水系统震后应急功能保障与韧性提升方法研究</a:t>
             </a:r>
             <a:endParaRPr lang="el-GR" sz="3200" b="1" dirty="0"/>
           </a:p>
@@ -4477,13 +4385,6 @@
   <p:clrMapOvr>
     <a:masterClrMapping/>
   </p:clrMapOvr>
-  <p:timing>
-    <p:tnLst>
-      <p:par>
-        <p:cTn id="1" dur="indefinite" restart="never" nodeType="tmRoot"/>
-      </p:par>
-    </p:tnLst>
-  </p:timing>
 </p:sld>
 </file>
 
@@ -4520,26 +4421,25 @@
           <a:lstStyle/>
           <a:p>
             <a:r>
-              <a:rPr lang="en-US" altLang="zh-CN" b="1" dirty="0" smtClean="0"/>
+              <a:rPr lang="en-US" altLang="zh-CN" b="1" dirty="0"/>
               <a:t>02</a:t>
             </a:r>
             <a:r>
-              <a:rPr lang="en-US" b="1" dirty="0" smtClean="0"/>
+              <a:rPr lang="en-US" b="1" dirty="0"/>
               <a:t> </a:t>
             </a:r>
             <a:r>
-              <a:rPr lang="zh-CN" altLang="en-US" b="1" dirty="0" smtClean="0"/>
+              <a:rPr lang="zh-CN" altLang="en-US" b="1" dirty="0"/>
               <a:t>研究内容</a:t>
             </a:r>
             <a:r>
-              <a:rPr lang="en-US" altLang="zh-CN" b="1" dirty="0" smtClean="0"/>
+              <a:rPr lang="en-US" altLang="zh-CN" b="1" dirty="0"/>
               <a:t>——</a:t>
             </a:r>
             <a:r>
-              <a:rPr lang="zh-CN" altLang="en-US" sz="3600" b="1" dirty="0" smtClean="0"/>
+              <a:rPr lang="zh-CN" altLang="en-US" sz="3600" b="1" dirty="0"/>
               <a:t>供水管网延时模拟</a:t>
             </a:r>
-            <a:endParaRPr lang="zh-CN" altLang="en-US" sz="3600" b="1" dirty="0"/>
           </a:p>
         </p:txBody>
       </p:sp>
@@ -4566,7 +4466,7 @@
           <a:lstStyle/>
           <a:p>
             <a:r>
-              <a:rPr lang="zh-CN" altLang="en-US" dirty="0" smtClean="0">
+              <a:rPr lang="zh-CN" altLang="en-US" dirty="0">
                 <a:solidFill>
                   <a:srgbClr val="FF0000"/>
                 </a:solidFill>
@@ -4574,10 +4474,9 @@
               <a:t>单时刻模拟</a:t>
             </a:r>
             <a:r>
-              <a:rPr lang="zh-CN" altLang="en-US" dirty="0" smtClean="0"/>
+              <a:rPr lang="zh-CN" altLang="en-US" dirty="0"/>
               <a:t>与延时模拟的破坏模型区别：</a:t>
             </a:r>
-            <a:endParaRPr lang="zh-CN" altLang="en-US" dirty="0"/>
           </a:p>
         </p:txBody>
       </p:sp>
@@ -4658,18 +4557,13 @@
           <a:lstStyle/>
           <a:p>
             <a:r>
-              <a:rPr lang="zh-CN" altLang="en-US" dirty="0" smtClean="0">
+              <a:rPr lang="zh-CN" altLang="en-US" dirty="0">
                 <a:solidFill>
                   <a:srgbClr val="FF0000"/>
                 </a:solidFill>
               </a:rPr>
               <a:t>问题：在延时模拟中无法关闭管道</a:t>
             </a:r>
-            <a:endParaRPr lang="zh-CN" altLang="en-US" dirty="0">
-              <a:solidFill>
-                <a:srgbClr val="FF0000"/>
-              </a:solidFill>
-            </a:endParaRPr>
           </a:p>
         </p:txBody>
       </p:sp>
@@ -5133,7 +5027,7 @@
               <a:tabLst/>
             </a:pPr>
             <a:r>
-              <a:rPr kumimoji="0" lang="zh-CN" altLang="zh-CN" sz="500" b="1" i="1" u="none" strike="noStrike" cap="none" normalizeH="0" baseline="0" dirty="0" smtClean="0">
+              <a:rPr kumimoji="0" lang="zh-CN" altLang="zh-CN" sz="500" b="1" i="1" u="none" strike="noStrike" cap="none" normalizeH="0" baseline="0" dirty="0">
                 <a:ln>
                   <a:noFill/>
                 </a:ln>
@@ -5145,7 +5039,7 @@
               </a:rPr>
               <a:t>B</a:t>
             </a:r>
-            <a:endParaRPr kumimoji="0" lang="zh-CN" altLang="zh-CN" sz="1800" b="0" i="0" u="none" strike="noStrike" cap="none" normalizeH="0" baseline="0" dirty="0" smtClean="0">
+            <a:endParaRPr kumimoji="0" lang="zh-CN" altLang="zh-CN" sz="1800" b="0" i="0" u="none" strike="noStrike" cap="none" normalizeH="0" baseline="0" dirty="0">
               <a:ln>
                 <a:noFill/>
               </a:ln>
@@ -5351,7 +5245,7 @@
               <a:tabLst/>
             </a:pPr>
             <a:r>
-              <a:rPr kumimoji="0" lang="zh-CN" altLang="zh-CN" sz="500" b="1" i="1" u="none" strike="noStrike" cap="none" normalizeH="0" baseline="0" dirty="0" smtClean="0">
+              <a:rPr kumimoji="0" lang="zh-CN" altLang="zh-CN" sz="500" b="1" i="1" u="none" strike="noStrike" cap="none" normalizeH="0" baseline="0" dirty="0">
                 <a:ln>
                   <a:noFill/>
                 </a:ln>
@@ -5363,7 +5257,7 @@
               </a:rPr>
               <a:t>A</a:t>
             </a:r>
-            <a:endParaRPr kumimoji="0" lang="zh-CN" altLang="zh-CN" sz="1800" b="0" i="0" u="none" strike="noStrike" cap="none" normalizeH="0" baseline="0" dirty="0" smtClean="0">
+            <a:endParaRPr kumimoji="0" lang="zh-CN" altLang="zh-CN" sz="1800" b="0" i="0" u="none" strike="noStrike" cap="none" normalizeH="0" baseline="0" dirty="0">
               <a:ln>
                 <a:noFill/>
               </a:ln>
@@ -6037,7 +5931,7 @@
               <a:tabLst/>
             </a:pPr>
             <a:r>
-              <a:rPr kumimoji="0" lang="zh-CN" altLang="zh-CN" sz="500" b="1" i="1" u="none" strike="noStrike" cap="none" normalizeH="0" baseline="0" smtClean="0">
+              <a:rPr kumimoji="0" lang="zh-CN" altLang="zh-CN" sz="500" b="1" i="1" u="none" strike="noStrike" cap="none" normalizeH="0" baseline="0">
                 <a:ln>
                   <a:noFill/>
                 </a:ln>
@@ -6049,7 +5943,7 @@
               </a:rPr>
               <a:t>Q</a:t>
             </a:r>
-            <a:endParaRPr kumimoji="0" lang="zh-CN" altLang="zh-CN" sz="1800" b="0" i="0" u="none" strike="noStrike" cap="none" normalizeH="0" baseline="0" smtClean="0">
+            <a:endParaRPr kumimoji="0" lang="zh-CN" altLang="zh-CN" sz="1800" b="0" i="0" u="none" strike="noStrike" cap="none" normalizeH="0" baseline="0">
               <a:ln>
                 <a:noFill/>
               </a:ln>
@@ -6255,7 +6149,7 @@
               <a:tabLst/>
             </a:pPr>
             <a:r>
-              <a:rPr kumimoji="0" lang="zh-CN" altLang="zh-CN" sz="400" b="1" i="1" u="none" strike="noStrike" cap="none" normalizeH="0" baseline="0" smtClean="0">
+              <a:rPr kumimoji="0" lang="zh-CN" altLang="zh-CN" sz="400" b="1" i="1" u="none" strike="noStrike" cap="none" normalizeH="0" baseline="0">
                 <a:ln>
                   <a:noFill/>
                 </a:ln>
@@ -6267,7 +6161,7 @@
               </a:rPr>
               <a:t>L1</a:t>
             </a:r>
-            <a:endParaRPr kumimoji="0" lang="zh-CN" altLang="zh-CN" sz="1800" b="0" i="0" u="none" strike="noStrike" cap="none" normalizeH="0" baseline="0" smtClean="0">
+            <a:endParaRPr kumimoji="0" lang="zh-CN" altLang="zh-CN" sz="1800" b="0" i="0" u="none" strike="noStrike" cap="none" normalizeH="0" baseline="0">
               <a:ln>
                 <a:noFill/>
               </a:ln>
@@ -6519,7 +6413,7 @@
               <a:tabLst/>
             </a:pPr>
             <a:r>
-              <a:rPr kumimoji="0" lang="zh-CN" altLang="zh-CN" sz="500" b="1" i="1" u="none" strike="noStrike" cap="none" normalizeH="0" baseline="0" smtClean="0">
+              <a:rPr kumimoji="0" lang="zh-CN" altLang="zh-CN" sz="500" b="1" i="1" u="none" strike="noStrike" cap="none" normalizeH="0" baseline="0">
                 <a:ln>
                   <a:noFill/>
                 </a:ln>
@@ -6531,7 +6425,7 @@
               </a:rPr>
               <a:t>Q</a:t>
             </a:r>
-            <a:endParaRPr kumimoji="0" lang="zh-CN" altLang="zh-CN" sz="1800" b="0" i="0" u="none" strike="noStrike" cap="none" normalizeH="0" baseline="0" smtClean="0">
+            <a:endParaRPr kumimoji="0" lang="zh-CN" altLang="zh-CN" sz="1800" b="0" i="0" u="none" strike="noStrike" cap="none" normalizeH="0" baseline="0">
               <a:ln>
                 <a:noFill/>
               </a:ln>
@@ -6737,7 +6631,7 @@
               <a:tabLst/>
             </a:pPr>
             <a:r>
-              <a:rPr kumimoji="0" lang="zh-CN" altLang="zh-CN" sz="400" b="1" i="1" u="none" strike="noStrike" cap="none" normalizeH="0" baseline="0" dirty="0" smtClean="0">
+              <a:rPr kumimoji="0" lang="zh-CN" altLang="zh-CN" sz="400" b="1" i="1" u="none" strike="noStrike" cap="none" normalizeH="0" baseline="0" dirty="0">
                 <a:ln>
                   <a:noFill/>
                 </a:ln>
@@ -6749,7 +6643,7 @@
               </a:rPr>
               <a:t>B</a:t>
             </a:r>
-            <a:endParaRPr kumimoji="0" lang="zh-CN" altLang="zh-CN" sz="1800" b="0" i="0" u="none" strike="noStrike" cap="none" normalizeH="0" baseline="0" dirty="0" smtClean="0">
+            <a:endParaRPr kumimoji="0" lang="zh-CN" altLang="zh-CN" sz="1800" b="0" i="0" u="none" strike="noStrike" cap="none" normalizeH="0" baseline="0" dirty="0">
               <a:ln>
                 <a:noFill/>
               </a:ln>
@@ -6955,7 +6849,7 @@
               <a:tabLst/>
             </a:pPr>
             <a:r>
-              <a:rPr kumimoji="0" lang="zh-CN" altLang="zh-CN" sz="500" b="1" i="1" u="none" strike="noStrike" cap="none" normalizeH="0" baseline="0" dirty="0" smtClean="0">
+              <a:rPr kumimoji="0" lang="zh-CN" altLang="zh-CN" sz="500" b="1" i="1" u="none" strike="noStrike" cap="none" normalizeH="0" baseline="0" dirty="0">
                 <a:ln>
                   <a:noFill/>
                 </a:ln>
@@ -6967,7 +6861,7 @@
               </a:rPr>
               <a:t>Q</a:t>
             </a:r>
-            <a:endParaRPr kumimoji="0" lang="zh-CN" altLang="zh-CN" sz="1800" b="0" i="0" u="none" strike="noStrike" cap="none" normalizeH="0" baseline="0" dirty="0" smtClean="0">
+            <a:endParaRPr kumimoji="0" lang="zh-CN" altLang="zh-CN" sz="1800" b="0" i="0" u="none" strike="noStrike" cap="none" normalizeH="0" baseline="0" dirty="0">
               <a:ln>
                 <a:noFill/>
               </a:ln>
@@ -7173,7 +7067,7 @@
               <a:tabLst/>
             </a:pPr>
             <a:r>
-              <a:rPr kumimoji="0" lang="zh-CN" altLang="zh-CN" sz="400" b="1" i="1" u="none" strike="noStrike" cap="none" normalizeH="0" baseline="0" dirty="0" smtClean="0">
+              <a:rPr kumimoji="0" lang="zh-CN" altLang="zh-CN" sz="400" b="1" i="1" u="none" strike="noStrike" cap="none" normalizeH="0" baseline="0" dirty="0">
                 <a:ln>
                   <a:noFill/>
                 </a:ln>
@@ -7185,7 +7079,7 @@
               </a:rPr>
               <a:t>A</a:t>
             </a:r>
-            <a:endParaRPr kumimoji="0" lang="zh-CN" altLang="zh-CN" sz="1800" b="0" i="0" u="none" strike="noStrike" cap="none" normalizeH="0" baseline="0" dirty="0" smtClean="0">
+            <a:endParaRPr kumimoji="0" lang="zh-CN" altLang="zh-CN" sz="1800" b="0" i="0" u="none" strike="noStrike" cap="none" normalizeH="0" baseline="0" dirty="0">
               <a:ln>
                 <a:noFill/>
               </a:ln>
@@ -7391,7 +7285,7 @@
               <a:tabLst/>
             </a:pPr>
             <a:r>
-              <a:rPr kumimoji="0" lang="zh-CN" altLang="zh-CN" sz="500" b="1" i="1" u="none" strike="noStrike" cap="none" normalizeH="0" baseline="0" smtClean="0">
+              <a:rPr kumimoji="0" lang="zh-CN" altLang="zh-CN" sz="500" b="1" i="1" u="none" strike="noStrike" cap="none" normalizeH="0" baseline="0">
                 <a:ln>
                   <a:noFill/>
                 </a:ln>
@@ -7403,7 +7297,7 @@
               </a:rPr>
               <a:t>Q</a:t>
             </a:r>
-            <a:endParaRPr kumimoji="0" lang="zh-CN" altLang="zh-CN" sz="1800" b="0" i="0" u="none" strike="noStrike" cap="none" normalizeH="0" baseline="0" smtClean="0">
+            <a:endParaRPr kumimoji="0" lang="zh-CN" altLang="zh-CN" sz="1800" b="0" i="0" u="none" strike="noStrike" cap="none" normalizeH="0" baseline="0">
               <a:ln>
                 <a:noFill/>
               </a:ln>
@@ -7609,7 +7503,7 @@
               <a:tabLst/>
             </a:pPr>
             <a:r>
-              <a:rPr kumimoji="0" lang="zh-CN" altLang="zh-CN" sz="400" b="1" i="1" u="none" strike="noStrike" cap="none" normalizeH="0" baseline="0" smtClean="0">
+              <a:rPr kumimoji="0" lang="zh-CN" altLang="zh-CN" sz="400" b="1" i="1" u="none" strike="noStrike" cap="none" normalizeH="0" baseline="0">
                 <a:ln>
                   <a:noFill/>
                 </a:ln>
@@ -7621,7 +7515,7 @@
               </a:rPr>
               <a:t>L2</a:t>
             </a:r>
-            <a:endParaRPr kumimoji="0" lang="zh-CN" altLang="zh-CN" sz="1800" b="0" i="0" u="none" strike="noStrike" cap="none" normalizeH="0" baseline="0" smtClean="0">
+            <a:endParaRPr kumimoji="0" lang="zh-CN" altLang="zh-CN" sz="1800" b="0" i="0" u="none" strike="noStrike" cap="none" normalizeH="0" baseline="0">
               <a:ln>
                 <a:noFill/>
               </a:ln>
@@ -10219,26 +10113,25 @@
           <a:lstStyle/>
           <a:p>
             <a:r>
-              <a:rPr lang="en-US" altLang="zh-CN" b="1" dirty="0" smtClean="0"/>
+              <a:rPr lang="en-US" altLang="zh-CN" b="1" dirty="0"/>
               <a:t>02</a:t>
             </a:r>
             <a:r>
-              <a:rPr lang="en-US" b="1" dirty="0" smtClean="0"/>
+              <a:rPr lang="en-US" b="1" dirty="0"/>
               <a:t> </a:t>
             </a:r>
             <a:r>
-              <a:rPr lang="zh-CN" altLang="en-US" b="1" dirty="0" smtClean="0"/>
+              <a:rPr lang="zh-CN" altLang="en-US" b="1" dirty="0"/>
               <a:t>研究内容</a:t>
             </a:r>
             <a:r>
-              <a:rPr lang="en-US" altLang="zh-CN" b="1" dirty="0" smtClean="0"/>
+              <a:rPr lang="en-US" altLang="zh-CN" b="1" dirty="0"/>
               <a:t>——</a:t>
             </a:r>
             <a:r>
-              <a:rPr lang="zh-CN" altLang="en-US" sz="3600" b="1" dirty="0" smtClean="0"/>
+              <a:rPr lang="zh-CN" altLang="en-US" sz="3600" b="1" dirty="0"/>
               <a:t>供水管网韧性分析</a:t>
             </a:r>
-            <a:endParaRPr lang="zh-CN" altLang="en-US" sz="3600" b="1" dirty="0"/>
           </a:p>
         </p:txBody>
       </p:sp>
@@ -10448,7 +10341,6 @@
               <a:rPr lang="zh-CN" altLang="en-US" sz="1350" dirty="0"/>
               <a:t>供水管网运行</a:t>
             </a:r>
-            <a:endParaRPr lang="zh-CN" altLang="en-US" sz="1350" dirty="0"/>
           </a:p>
         </p:txBody>
       </p:sp>
@@ -10492,7 +10384,6 @@
               <a:rPr lang="zh-CN" altLang="en-US" sz="1350" dirty="0"/>
               <a:t>地震作用</a:t>
             </a:r>
-            <a:endParaRPr lang="zh-CN" altLang="en-US" sz="1350" dirty="0"/>
           </a:p>
         </p:txBody>
       </p:sp>
@@ -10536,7 +10427,6 @@
               <a:rPr lang="zh-CN" altLang="en-US" sz="1350" dirty="0"/>
               <a:t>反应时间</a:t>
             </a:r>
-            <a:endParaRPr lang="zh-CN" altLang="en-US" sz="1350" dirty="0"/>
           </a:p>
         </p:txBody>
       </p:sp>
@@ -10580,7 +10470,6 @@
               <a:rPr lang="zh-CN" altLang="en-US" sz="1350" dirty="0"/>
               <a:t>检查时间</a:t>
             </a:r>
-            <a:endParaRPr lang="zh-CN" altLang="en-US" sz="1350" dirty="0"/>
           </a:p>
         </p:txBody>
       </p:sp>
@@ -10622,13 +10511,8 @@
             <a:pPr algn="ctr"/>
             <a:r>
               <a:rPr lang="zh-CN" altLang="en-US" sz="1350" dirty="0"/>
-              <a:t>修复</a:t>
+              <a:t>修复时间</a:t>
             </a:r>
-            <a:r>
-              <a:rPr lang="zh-CN" altLang="en-US" sz="1350" dirty="0"/>
-              <a:t>时间</a:t>
-            </a:r>
-            <a:endParaRPr lang="zh-CN" altLang="en-US" sz="1350" dirty="0"/>
           </a:p>
         </p:txBody>
       </p:sp>
@@ -10820,11 +10704,7 @@
             <a:pPr algn="ctr"/>
             <a:r>
               <a:rPr lang="zh-CN" altLang="en-US" sz="1350" dirty="0"/>
-              <a:t>修复</a:t>
-            </a:r>
-            <a:r>
-              <a:rPr lang="zh-CN" altLang="en-US" sz="1350" dirty="0"/>
-              <a:t>完成</a:t>
+              <a:t>修复完成</a:t>
             </a:r>
           </a:p>
         </p:txBody>
@@ -10875,26 +10755,25 @@
           <a:lstStyle/>
           <a:p>
             <a:r>
-              <a:rPr lang="en-US" altLang="zh-CN" b="1" dirty="0" smtClean="0"/>
+              <a:rPr lang="en-US" altLang="zh-CN" b="1" dirty="0"/>
               <a:t>02</a:t>
             </a:r>
             <a:r>
-              <a:rPr lang="en-US" b="1" dirty="0" smtClean="0"/>
+              <a:rPr lang="en-US" b="1" dirty="0"/>
               <a:t> </a:t>
             </a:r>
             <a:r>
-              <a:rPr lang="zh-CN" altLang="en-US" b="1" dirty="0" smtClean="0"/>
+              <a:rPr lang="zh-CN" altLang="en-US" b="1" dirty="0"/>
               <a:t>研究内容</a:t>
             </a:r>
             <a:r>
-              <a:rPr lang="en-US" altLang="zh-CN" b="1" dirty="0" smtClean="0"/>
+              <a:rPr lang="en-US" altLang="zh-CN" b="1" dirty="0"/>
               <a:t>——</a:t>
             </a:r>
             <a:r>
-              <a:rPr lang="zh-CN" altLang="en-US" sz="3600" b="1" dirty="0" smtClean="0"/>
+              <a:rPr lang="zh-CN" altLang="en-US" sz="3600" b="1" dirty="0"/>
               <a:t>供水管网韧性分析</a:t>
             </a:r>
-            <a:endParaRPr lang="zh-CN" altLang="en-US" sz="3600" b="1" dirty="0"/>
           </a:p>
         </p:txBody>
       </p:sp>
@@ -11457,7 +11336,7 @@
           <a:graphicData uri="http://schemas.openxmlformats.org/presentationml/2006/ole">
             <mc:AlternateContent xmlns:mc="http://schemas.openxmlformats.org/markup-compatibility/2006">
               <mc:Choice xmlns:v="urn:schemas-microsoft-com:vml" Requires="v">
-                <p:oleObj spid="_x0000_s9225" name="Equation" r:id="rId4" imgW="1651000" imgH="381000" progId="Equation.DSMT4">
+                <p:oleObj spid="_x0000_s9226" name="Equation" r:id="rId4" imgW="1651000" imgH="381000" progId="Equation.DSMT4">
                   <p:embed/>
                 </p:oleObj>
               </mc:Choice>
@@ -11534,7 +11413,7 @@
           <a:lstStyle/>
           <a:p>
             <a:r>
-              <a:rPr lang="en-US" altLang="zh-CN" dirty="0" smtClean="0">
+              <a:rPr lang="en-US" altLang="zh-CN" dirty="0">
                 <a:solidFill>
                   <a:srgbClr val="FF0000"/>
                 </a:solidFill>
@@ -11542,14 +11421,14 @@
               <a:t>Functionality</a:t>
             </a:r>
             <a:r>
-              <a:rPr lang="en-US" altLang="zh-CN" dirty="0" smtClean="0"/>
+              <a:rPr lang="en-US" altLang="zh-CN" dirty="0"/>
               <a:t> </a:t>
             </a:r>
             <a:r>
-              <a:rPr lang="zh-CN" altLang="en-US" dirty="0" smtClean="0"/>
+              <a:rPr lang="zh-CN" altLang="en-US" dirty="0"/>
               <a:t>中可以选择不同指标，常用的指标有：</a:t>
             </a:r>
-            <a:endParaRPr lang="en-US" altLang="zh-CN" dirty="0" smtClean="0"/>
+            <a:endParaRPr lang="en-US" altLang="zh-CN" dirty="0"/>
           </a:p>
           <a:p>
             <a:pPr marL="285750" indent="-285750">
@@ -11557,10 +11436,10 @@
               <a:buChar char="•"/>
             </a:pPr>
             <a:r>
-              <a:rPr lang="zh-CN" altLang="en-US" dirty="0" smtClean="0"/>
+              <a:rPr lang="zh-CN" altLang="en-US" dirty="0"/>
               <a:t>管网供水满足率</a:t>
             </a:r>
-            <a:endParaRPr lang="en-US" altLang="zh-CN" dirty="0" smtClean="0"/>
+            <a:endParaRPr lang="en-US" altLang="zh-CN" dirty="0"/>
           </a:p>
           <a:p>
             <a:pPr marL="285750" indent="-285750">
@@ -11568,10 +11447,10 @@
               <a:buChar char="•"/>
             </a:pPr>
             <a:r>
-              <a:rPr lang="zh-CN" altLang="en-US" dirty="0" smtClean="0"/>
+              <a:rPr lang="zh-CN" altLang="en-US" dirty="0"/>
               <a:t>管网管道长度比例</a:t>
             </a:r>
-            <a:endParaRPr lang="en-US" altLang="zh-CN" dirty="0" smtClean="0"/>
+            <a:endParaRPr lang="en-US" altLang="zh-CN" dirty="0"/>
           </a:p>
           <a:p>
             <a:pPr marL="285750" indent="-285750">
@@ -11579,10 +11458,10 @@
               <a:buChar char="•"/>
             </a:pPr>
             <a:r>
-              <a:rPr lang="zh-CN" altLang="en-US" dirty="0" smtClean="0"/>
+              <a:rPr lang="zh-CN" altLang="en-US" dirty="0"/>
               <a:t>供水节点数目比例</a:t>
             </a:r>
-            <a:endParaRPr lang="en-US" altLang="zh-CN" dirty="0" smtClean="0"/>
+            <a:endParaRPr lang="en-US" altLang="zh-CN" dirty="0"/>
           </a:p>
           <a:p>
             <a:pPr marL="285750" indent="-285750">
@@ -11590,11 +11469,11 @@
               <a:buChar char="•"/>
             </a:pPr>
             <a:r>
-              <a:rPr lang="zh-CN" altLang="en-US" dirty="0" smtClean="0"/>
+              <a:rPr lang="zh-CN" altLang="en-US" dirty="0"/>
               <a:t>重要节点供水满足率</a:t>
             </a:r>
             <a:r>
-              <a:rPr lang="en-US" altLang="zh-CN" dirty="0" smtClean="0"/>
+              <a:rPr lang="en-US" altLang="zh-CN" dirty="0"/>
               <a:t>…</a:t>
             </a:r>
             <a:endParaRPr lang="zh-CN" altLang="en-US" dirty="0"/>
@@ -11647,26 +11526,25 @@
           <a:lstStyle/>
           <a:p>
             <a:r>
-              <a:rPr lang="en-US" altLang="zh-CN" b="1" dirty="0" smtClean="0"/>
+              <a:rPr lang="en-US" altLang="zh-CN" b="1" dirty="0"/>
               <a:t>02</a:t>
             </a:r>
             <a:r>
-              <a:rPr lang="en-US" b="1" dirty="0" smtClean="0"/>
+              <a:rPr lang="en-US" b="1" dirty="0"/>
               <a:t> </a:t>
             </a:r>
             <a:r>
-              <a:rPr lang="zh-CN" altLang="en-US" b="1" dirty="0" smtClean="0"/>
+              <a:rPr lang="zh-CN" altLang="en-US" b="1" dirty="0"/>
               <a:t>研究内容</a:t>
             </a:r>
             <a:r>
-              <a:rPr lang="en-US" altLang="zh-CN" b="1" dirty="0" smtClean="0"/>
+              <a:rPr lang="en-US" altLang="zh-CN" b="1" dirty="0"/>
               <a:t>——</a:t>
             </a:r>
             <a:r>
-              <a:rPr lang="zh-CN" altLang="en-US" sz="3600" b="1" dirty="0" smtClean="0"/>
+              <a:rPr lang="zh-CN" altLang="en-US" sz="3600" b="1" dirty="0"/>
               <a:t>供水管网韧性分析</a:t>
             </a:r>
-            <a:endParaRPr lang="zh-CN" altLang="en-US" sz="3600" b="1" dirty="0"/>
           </a:p>
         </p:txBody>
       </p:sp>
@@ -12123,7 +12001,6 @@
               <a:rPr lang="zh-CN" altLang="en-US" dirty="0"/>
               <a:t>离散事件模型</a:t>
             </a:r>
-            <a:endParaRPr lang="zh-CN" altLang="en-US" dirty="0"/>
           </a:p>
         </p:txBody>
       </p:sp>
@@ -20175,7 +20052,7 @@
                         </a:spcAft>
                       </a:pPr>
                       <a:r>
-                        <a:rPr lang="zh-CN" altLang="en-US" sz="1100" kern="100" dirty="0" smtClean="0">
+                        <a:rPr lang="zh-CN" altLang="en-US" sz="1100" kern="100" dirty="0">
                           <a:effectLst/>
                         </a:rPr>
                         <a:t>实体</a:t>
@@ -20200,12 +20077,12 @@
                         </a:spcAft>
                       </a:pPr>
                       <a:r>
-                        <a:rPr lang="zh-CN" altLang="en-US" sz="1100" kern="100" dirty="0" smtClean="0">
+                        <a:rPr lang="zh-CN" altLang="en-US" sz="1100" kern="100" dirty="0">
                           <a:effectLst/>
                         </a:rPr>
                         <a:t>管道</a:t>
                       </a:r>
-                      <a:endParaRPr lang="en-US" altLang="zh-CN" sz="1100" kern="100" dirty="0" smtClean="0">
+                      <a:endParaRPr lang="en-US" altLang="zh-CN" sz="1100" kern="100" dirty="0">
                         <a:effectLst/>
                       </a:endParaRPr>
                     </a:p>
@@ -20216,7 +20093,7 @@
                         </a:spcAft>
                       </a:pPr>
                       <a:r>
-                        <a:rPr lang="zh-CN" altLang="en-US" sz="1200" i="0" dirty="0" smtClean="0">
+                        <a:rPr lang="zh-CN" altLang="en-US" sz="1200" i="0" dirty="0">
                           <a:effectLst/>
                           <a:latin typeface="Times New Roman" panose="02020603050405020304" pitchFamily="18" charset="0"/>
                           <a:ea typeface="宋体" panose="02010600030101010101" pitchFamily="2" charset="-122"/>
@@ -20250,13 +20127,13 @@
                         </a:spcAft>
                       </a:pPr>
                       <a:r>
-                        <a:rPr lang="zh-CN" altLang="en-US" sz="1100" kern="100" dirty="0" smtClean="0">
+                        <a:rPr lang="zh-CN" altLang="en-US" sz="1100" kern="100" dirty="0">
                           <a:effectLst/>
                         </a:rPr>
                         <a:t>事件</a:t>
                       </a:r>
                       <a:r>
-                        <a:rPr lang="en-US" sz="1100" kern="100" dirty="0" smtClean="0">
+                        <a:rPr lang="en-US" sz="1100" kern="100" dirty="0">
                           <a:effectLst/>
                         </a:rPr>
                         <a:t> </a:t>
@@ -20281,7 +20158,7 @@
                         </a:spcAft>
                       </a:pPr>
                       <a:r>
-                        <a:rPr lang="zh-CN" altLang="en-US" sz="1100" kern="100" dirty="0" smtClean="0">
+                        <a:rPr lang="zh-CN" altLang="en-US" sz="1100" kern="100" dirty="0">
                           <a:effectLst/>
                         </a:rPr>
                         <a:t>隔离</a:t>
@@ -20297,12 +20174,12 @@
                         </a:spcAft>
                       </a:pPr>
                       <a:r>
-                        <a:rPr lang="zh-CN" altLang="en-US" sz="1100" kern="100" dirty="0" smtClean="0">
+                        <a:rPr lang="zh-CN" altLang="en-US" sz="1100" kern="100" dirty="0">
                           <a:effectLst/>
                         </a:rPr>
                         <a:t>修复</a:t>
                       </a:r>
-                      <a:endParaRPr lang="en-US" altLang="zh-CN" sz="1100" kern="100" dirty="0" smtClean="0">
+                      <a:endParaRPr lang="en-US" altLang="zh-CN" sz="1100" kern="100" dirty="0">
                         <a:effectLst/>
                       </a:endParaRPr>
                     </a:p>
@@ -20313,12 +20190,12 @@
                         </a:spcAft>
                       </a:pPr>
                       <a:r>
-                        <a:rPr lang="zh-CN" altLang="en-US" sz="1100" kern="100" dirty="0" smtClean="0">
+                        <a:rPr lang="zh-CN" altLang="en-US" sz="1100" kern="100" dirty="0">
                           <a:effectLst/>
                         </a:rPr>
                         <a:t>替换</a:t>
                       </a:r>
-                      <a:endParaRPr lang="en-US" altLang="zh-CN" sz="1100" kern="100" dirty="0" smtClean="0">
+                      <a:endParaRPr lang="en-US" altLang="zh-CN" sz="1100" kern="100" dirty="0">
                         <a:effectLst/>
                       </a:endParaRPr>
                     </a:p>
@@ -20343,7 +20220,7 @@
                         </a:spcAft>
                       </a:pPr>
                       <a:r>
-                        <a:rPr lang="zh-CN" altLang="en-US" sz="1100" kern="100" dirty="0" smtClean="0">
+                        <a:rPr lang="zh-CN" altLang="en-US" sz="1100" kern="100" dirty="0">
                           <a:effectLst/>
                         </a:rPr>
                         <a:t>变量</a:t>
@@ -20368,12 +20245,12 @@
                         </a:spcAft>
                       </a:pPr>
                       <a:r>
-                        <a:rPr lang="zh-CN" altLang="en-US" sz="1100" kern="100" dirty="0" smtClean="0">
+                        <a:rPr lang="zh-CN" altLang="en-US" sz="1100" kern="100" dirty="0">
                           <a:effectLst/>
                         </a:rPr>
                         <a:t>管道状态</a:t>
                       </a:r>
-                      <a:endParaRPr lang="en-US" altLang="zh-CN" sz="1100" kern="100" dirty="0" smtClean="0">
+                      <a:endParaRPr lang="en-US" altLang="zh-CN" sz="1100" kern="100" dirty="0">
                         <a:effectLst/>
                       </a:endParaRPr>
                     </a:p>
@@ -20384,7 +20261,7 @@
                         </a:spcAft>
                       </a:pPr>
                       <a:r>
-                        <a:rPr lang="zh-CN" altLang="en-US" sz="1100" kern="100" dirty="0" smtClean="0">
+                        <a:rPr lang="zh-CN" altLang="en-US" sz="1100" kern="100" dirty="0">
                           <a:effectLst/>
                         </a:rPr>
                         <a:t>队伍状态</a:t>
@@ -20467,7 +20344,7 @@
                         </a:spcAft>
                       </a:pPr>
                       <a:r>
-                        <a:rPr lang="zh-CN" altLang="en-US" sz="1100" kern="100" dirty="0" smtClean="0">
+                        <a:rPr lang="zh-CN" altLang="en-US" sz="1100" kern="100" dirty="0">
                           <a:effectLst/>
                         </a:rPr>
                         <a:t>事件编号</a:t>
@@ -20492,7 +20369,7 @@
                         </a:spcAft>
                       </a:pPr>
                       <a:r>
-                        <a:rPr lang="zh-CN" altLang="en-US" sz="1100" kern="100" dirty="0" smtClean="0">
+                        <a:rPr lang="zh-CN" altLang="en-US" sz="1100" kern="100" dirty="0">
                           <a:effectLst/>
                         </a:rPr>
                         <a:t>事件</a:t>
@@ -20517,22 +20394,16 @@
                         </a:spcAft>
                       </a:pPr>
                       <a:r>
-                        <a:rPr lang="zh-CN" altLang="en-US" sz="1100" kern="100" dirty="0" smtClean="0">
+                        <a:rPr lang="zh-CN" altLang="en-US" sz="1100" kern="100" dirty="0">
                           <a:effectLst/>
                         </a:rPr>
                         <a:t>持续时间</a:t>
                       </a:r>
                       <a:r>
-                        <a:rPr lang="en-US" sz="1100" kern="100" dirty="0" smtClean="0">
-                          <a:effectLst/>
-                        </a:rPr>
-                        <a:t> </a:t>
-                      </a:r>
-                      <a:r>
                         <a:rPr lang="en-US" sz="1100" kern="100" dirty="0">
                           <a:effectLst/>
                         </a:rPr>
-                        <a:t>(</a:t>
+                        <a:t> (</a:t>
                       </a:r>
                       <a:r>
                         <a:rPr lang="en-US" sz="1100" kern="100" dirty="0" err="1">
@@ -20598,22 +20469,16 @@
                         </a:spcAft>
                       </a:pPr>
                       <a:r>
-                        <a:rPr lang="zh-CN" altLang="en-US" sz="1100" kern="100" dirty="0" smtClean="0">
+                        <a:rPr lang="zh-CN" altLang="en-US" sz="1100" kern="100" dirty="0">
                           <a:effectLst/>
                         </a:rPr>
                         <a:t>隔离</a:t>
                       </a:r>
                       <a:r>
-                        <a:rPr lang="en-US" sz="1100" kern="100" dirty="0" smtClean="0">
-                          <a:effectLst/>
-                        </a:rPr>
-                        <a:t> </a:t>
-                      </a:r>
-                      <a:r>
                         <a:rPr lang="en-US" sz="1100" kern="100" dirty="0">
                           <a:effectLst/>
                         </a:rPr>
-                        <a:t>P7</a:t>
+                        <a:t> P7</a:t>
                       </a:r>
                       <a:endParaRPr lang="zh-CN" sz="1200" i="1" dirty="0">
                         <a:effectLst/>
@@ -20692,22 +20557,16 @@
                         </a:spcAft>
                       </a:pPr>
                       <a:r>
-                        <a:rPr lang="zh-CN" altLang="en-US" sz="1100" kern="100" dirty="0" smtClean="0">
+                        <a:rPr lang="zh-CN" altLang="en-US" sz="1100" kern="100" dirty="0">
                           <a:effectLst/>
                         </a:rPr>
                         <a:t>替换</a:t>
                       </a:r>
                       <a:r>
-                        <a:rPr lang="en-US" sz="1100" kern="100" dirty="0" smtClean="0">
-                          <a:effectLst/>
-                        </a:rPr>
-                        <a:t> </a:t>
-                      </a:r>
-                      <a:r>
                         <a:rPr lang="en-US" sz="1100" kern="100" dirty="0">
                           <a:effectLst/>
                         </a:rPr>
-                        <a:t>P7</a:t>
+                        <a:t> P7</a:t>
                       </a:r>
                       <a:endParaRPr lang="zh-CN" sz="1200" i="1" dirty="0">
                         <a:effectLst/>
@@ -20786,22 +20645,16 @@
                         </a:spcAft>
                       </a:pPr>
                       <a:r>
-                        <a:rPr lang="zh-CN" altLang="en-US" sz="1100" kern="100" dirty="0" smtClean="0">
+                        <a:rPr lang="zh-CN" altLang="en-US" sz="1100" kern="100" dirty="0">
                           <a:effectLst/>
                         </a:rPr>
                         <a:t>修复</a:t>
                       </a:r>
                       <a:r>
-                        <a:rPr lang="en-US" sz="1100" kern="100" dirty="0" smtClean="0">
-                          <a:effectLst/>
-                        </a:rPr>
-                        <a:t> </a:t>
-                      </a:r>
-                      <a:r>
                         <a:rPr lang="en-US" sz="1100" kern="100" dirty="0">
                           <a:effectLst/>
                         </a:rPr>
-                        <a:t>P6</a:t>
+                        <a:t> P6</a:t>
                       </a:r>
                       <a:endParaRPr lang="zh-CN" sz="1200" i="1" dirty="0">
                         <a:effectLst/>
@@ -20880,22 +20733,16 @@
                         </a:spcAft>
                       </a:pPr>
                       <a:r>
-                        <a:rPr lang="zh-CN" altLang="en-US" sz="1100" kern="100" dirty="0" smtClean="0">
+                        <a:rPr lang="zh-CN" altLang="en-US" sz="1100" kern="100" dirty="0">
                           <a:effectLst/>
                         </a:rPr>
                         <a:t>修复</a:t>
                       </a:r>
                       <a:r>
-                        <a:rPr lang="en-US" sz="1100" kern="100" dirty="0" smtClean="0">
-                          <a:effectLst/>
-                        </a:rPr>
-                        <a:t> </a:t>
-                      </a:r>
-                      <a:r>
                         <a:rPr lang="en-US" sz="1100" kern="100" dirty="0">
                           <a:effectLst/>
                         </a:rPr>
-                        <a:t>P11</a:t>
+                        <a:t> P11</a:t>
                       </a:r>
                       <a:endParaRPr lang="zh-CN" sz="1200" i="1" dirty="0">
                         <a:effectLst/>
@@ -20993,22 +20840,16 @@
                         </a:spcAft>
                       </a:pPr>
                       <a:r>
-                        <a:rPr lang="zh-CN" altLang="en-US" sz="1100" kern="100" dirty="0" smtClean="0">
+                        <a:rPr lang="zh-CN" altLang="en-US" sz="1100" kern="100" dirty="0">
                           <a:effectLst/>
                         </a:rPr>
                         <a:t>队伍</a:t>
                       </a:r>
                       <a:r>
-                        <a:rPr lang="en-US" sz="1100" kern="100" dirty="0" smtClean="0">
-                          <a:effectLst/>
-                        </a:rPr>
-                        <a:t> </a:t>
-                      </a:r>
-                      <a:r>
                         <a:rPr lang="en-US" sz="1100" kern="100" dirty="0">
                           <a:effectLst/>
                         </a:rPr>
-                        <a:t>01</a:t>
+                        <a:t> 01</a:t>
                       </a:r>
                       <a:endParaRPr lang="zh-CN" sz="1200" i="1" dirty="0">
                         <a:effectLst/>
@@ -21030,22 +20871,16 @@
                         </a:spcAft>
                       </a:pPr>
                       <a:r>
-                        <a:rPr lang="zh-CN" altLang="en-US" sz="1100" kern="100" dirty="0" smtClean="0">
+                        <a:rPr lang="zh-CN" altLang="en-US" sz="1100" kern="100" dirty="0">
                           <a:effectLst/>
                         </a:rPr>
                         <a:t>队伍</a:t>
                       </a:r>
                       <a:r>
-                        <a:rPr lang="en-US" sz="1100" kern="100" dirty="0" smtClean="0">
-                          <a:effectLst/>
-                        </a:rPr>
-                        <a:t> </a:t>
-                      </a:r>
-                      <a:r>
                         <a:rPr lang="en-US" sz="1100" kern="100" dirty="0">
                           <a:effectLst/>
                         </a:rPr>
-                        <a:t>02</a:t>
+                        <a:t> 02</a:t>
                       </a:r>
                       <a:endParaRPr lang="zh-CN" sz="1200" i="1" dirty="0">
                         <a:effectLst/>
@@ -21074,22 +20909,16 @@
                         </a:spcAft>
                       </a:pPr>
                       <a:r>
-                        <a:rPr lang="zh-CN" altLang="en-US" sz="1100" kern="100" dirty="0" smtClean="0">
+                        <a:rPr lang="zh-CN" altLang="en-US" sz="1100" kern="100" dirty="0">
                           <a:effectLst/>
                         </a:rPr>
                         <a:t>隔离</a:t>
                       </a:r>
                       <a:r>
-                        <a:rPr lang="en-US" sz="1100" kern="100" dirty="0" smtClean="0">
-                          <a:effectLst/>
-                        </a:rPr>
-                        <a:t> </a:t>
-                      </a:r>
-                      <a:r>
                         <a:rPr lang="en-US" sz="1100" kern="100" dirty="0">
                           <a:effectLst/>
                         </a:rPr>
-                        <a:t>P7</a:t>
+                        <a:t> P7</a:t>
                       </a:r>
                       <a:endParaRPr lang="zh-CN" sz="1200" i="1" dirty="0">
                         <a:effectLst/>
@@ -21111,22 +20940,16 @@
                         </a:spcAft>
                       </a:pPr>
                       <a:r>
-                        <a:rPr lang="zh-CN" altLang="en-US" sz="1100" kern="100" dirty="0" smtClean="0">
+                        <a:rPr lang="zh-CN" altLang="en-US" sz="1100" kern="100" dirty="0">
                           <a:effectLst/>
                         </a:rPr>
                         <a:t>修复</a:t>
                       </a:r>
                       <a:r>
-                        <a:rPr lang="en-US" sz="1100" kern="100" dirty="0" smtClean="0">
-                          <a:effectLst/>
-                        </a:rPr>
-                        <a:t> </a:t>
-                      </a:r>
-                      <a:r>
                         <a:rPr lang="en-US" sz="1100" kern="100" dirty="0">
                           <a:effectLst/>
                         </a:rPr>
-                        <a:t>P6</a:t>
+                        <a:t> P6</a:t>
                       </a:r>
                       <a:endParaRPr lang="zh-CN" sz="1200" i="1" dirty="0">
                         <a:effectLst/>
@@ -21155,22 +20978,16 @@
                         </a:spcAft>
                       </a:pPr>
                       <a:r>
-                        <a:rPr lang="zh-CN" altLang="en-US" sz="1100" kern="100" dirty="0" smtClean="0">
+                        <a:rPr lang="zh-CN" altLang="en-US" sz="1100" kern="100" dirty="0">
                           <a:effectLst/>
                         </a:rPr>
                         <a:t>替换</a:t>
                       </a:r>
                       <a:r>
-                        <a:rPr lang="en-US" sz="1100" kern="100" dirty="0" smtClean="0">
-                          <a:effectLst/>
-                        </a:rPr>
-                        <a:t> </a:t>
-                      </a:r>
-                      <a:r>
                         <a:rPr lang="en-US" sz="1100" kern="100" dirty="0">
                           <a:effectLst/>
                         </a:rPr>
-                        <a:t>P7</a:t>
+                        <a:t> P7</a:t>
                       </a:r>
                       <a:endParaRPr lang="zh-CN" sz="1200" i="1" dirty="0">
                         <a:effectLst/>
@@ -21192,13 +21009,13 @@
                         </a:spcAft>
                       </a:pPr>
                       <a:r>
-                        <a:rPr lang="zh-CN" altLang="en-US" sz="1100" kern="100" dirty="0" smtClean="0">
+                        <a:rPr lang="zh-CN" altLang="en-US" sz="1100" kern="100" dirty="0">
                           <a:effectLst/>
                         </a:rPr>
                         <a:t>修复 </a:t>
                       </a:r>
                       <a:r>
-                        <a:rPr lang="en-US" sz="1100" kern="100" dirty="0" smtClean="0">
+                        <a:rPr lang="en-US" sz="1100" kern="100" dirty="0">
                           <a:effectLst/>
                         </a:rPr>
                         <a:t>P11</a:t>
@@ -21268,26 +21085,25 @@
           <a:lstStyle/>
           <a:p>
             <a:r>
-              <a:rPr lang="en-US" altLang="zh-CN" b="1" dirty="0" smtClean="0"/>
+              <a:rPr lang="en-US" altLang="zh-CN" b="1" dirty="0"/>
               <a:t>02</a:t>
             </a:r>
             <a:r>
-              <a:rPr lang="en-US" b="1" dirty="0" smtClean="0"/>
+              <a:rPr lang="en-US" b="1" dirty="0"/>
               <a:t> </a:t>
             </a:r>
             <a:r>
-              <a:rPr lang="zh-CN" altLang="en-US" b="1" dirty="0" smtClean="0"/>
+              <a:rPr lang="zh-CN" altLang="en-US" b="1" dirty="0"/>
               <a:t>研究内容</a:t>
             </a:r>
             <a:r>
-              <a:rPr lang="en-US" altLang="zh-CN" b="1" dirty="0" smtClean="0"/>
+              <a:rPr lang="en-US" altLang="zh-CN" b="1" dirty="0"/>
               <a:t>——</a:t>
             </a:r>
             <a:r>
-              <a:rPr lang="zh-CN" altLang="en-US" sz="3600" b="1" dirty="0" smtClean="0"/>
+              <a:rPr lang="zh-CN" altLang="en-US" sz="3600" b="1" dirty="0"/>
               <a:t>供水管网韧性分析</a:t>
             </a:r>
-            <a:endParaRPr lang="zh-CN" altLang="en-US" sz="3600" b="1" dirty="0"/>
           </a:p>
         </p:txBody>
       </p:sp>
@@ -21734,21 +21550,16 @@
           <a:p>
             <a:r>
               <a:rPr lang="zh-CN" altLang="en-US" dirty="0"/>
-              <a:t>供水管网震后</a:t>
+              <a:t>供水管网震后恢复优化模型</a:t>
             </a:r>
             <a:r>
-              <a:rPr lang="zh-CN" altLang="en-US" dirty="0" smtClean="0"/>
-              <a:t>恢复优化模型</a:t>
-            </a:r>
-            <a:r>
-              <a:rPr lang="en-US" altLang="zh-CN" dirty="0" smtClean="0"/>
+              <a:rPr lang="en-US" altLang="zh-CN" dirty="0"/>
               <a:t>——</a:t>
             </a:r>
             <a:r>
-              <a:rPr lang="zh-CN" altLang="en-US" dirty="0" smtClean="0"/>
+              <a:rPr lang="zh-CN" altLang="en-US" dirty="0"/>
               <a:t>遗传算法（精英保留策略）</a:t>
             </a:r>
-            <a:endParaRPr lang="zh-CN" altLang="en-US" dirty="0"/>
           </a:p>
         </p:txBody>
       </p:sp>
@@ -21775,18 +21586,18 @@
           <a:lstStyle/>
           <a:p>
             <a:r>
-              <a:rPr lang="zh-CN" altLang="en-US" dirty="0" smtClean="0"/>
+              <a:rPr lang="zh-CN" altLang="en-US" dirty="0"/>
               <a:t>优化目标：</a:t>
             </a:r>
             <a:r>
-              <a:rPr lang="zh-CN" altLang="en-US" dirty="0" smtClean="0">
+              <a:rPr lang="zh-CN" altLang="en-US" dirty="0">
                 <a:solidFill>
                   <a:srgbClr val="FF0000"/>
                 </a:solidFill>
               </a:rPr>
               <a:t>供水管网韧性最大</a:t>
             </a:r>
-            <a:endParaRPr lang="en-US" altLang="zh-CN" dirty="0" smtClean="0">
+            <a:endParaRPr lang="en-US" altLang="zh-CN" dirty="0">
               <a:solidFill>
                 <a:srgbClr val="FF0000"/>
               </a:solidFill>
@@ -21794,10 +21605,9 @@
           </a:p>
           <a:p>
             <a:r>
-              <a:rPr lang="zh-CN" altLang="en-US" dirty="0" smtClean="0"/>
+              <a:rPr lang="zh-CN" altLang="en-US" dirty="0"/>
               <a:t>优化变量：管道修复次序</a:t>
             </a:r>
-            <a:endParaRPr lang="zh-CN" altLang="en-US" dirty="0"/>
           </a:p>
         </p:txBody>
       </p:sp>
@@ -21823,7 +21633,7 @@
           <a:graphicData uri="http://schemas.openxmlformats.org/presentationml/2006/ole">
             <mc:AlternateContent xmlns:mc="http://schemas.openxmlformats.org/markup-compatibility/2006">
               <mc:Choice xmlns:v="urn:schemas-microsoft-com:vml" Requires="v">
-                <p:oleObj spid="_x0000_s11271" name="Graph" r:id="rId3" imgW="3452040" imgH="2539440" progId="Origin50.Graph">
+                <p:oleObj spid="_x0000_s11272" name="Graph" r:id="rId3" imgW="3452040" imgH="2539440" progId="Origin50.Graph">
                   <p:embed/>
                 </p:oleObj>
               </mc:Choice>
@@ -21881,10 +21691,9 @@
           <a:lstStyle/>
           <a:p>
             <a:r>
-              <a:rPr lang="zh-CN" altLang="en-US" dirty="0" smtClean="0"/>
+              <a:rPr lang="zh-CN" altLang="en-US" dirty="0"/>
               <a:t>优化次序与随机次序进行比较</a:t>
             </a:r>
-            <a:endParaRPr lang="zh-CN" altLang="en-US" dirty="0"/>
           </a:p>
         </p:txBody>
       </p:sp>
@@ -21934,15 +21743,15 @@
           <a:lstStyle/>
           <a:p>
             <a:r>
-              <a:rPr lang="en-US" altLang="zh-CN" b="1" dirty="0" smtClean="0"/>
+              <a:rPr lang="en-US" altLang="zh-CN" b="1" dirty="0"/>
               <a:t>03</a:t>
             </a:r>
             <a:r>
-              <a:rPr lang="en-US" b="1" dirty="0" smtClean="0"/>
+              <a:rPr lang="en-US" b="1" dirty="0"/>
               <a:t> </a:t>
             </a:r>
             <a:r>
-              <a:rPr lang="zh-CN" altLang="en-US" b="1" dirty="0" smtClean="0"/>
+              <a:rPr lang="zh-CN" altLang="en-US" b="1" dirty="0"/>
               <a:t>存在问题</a:t>
             </a:r>
             <a:endParaRPr lang="zh-CN" altLang="en-US" sz="3600" b="1" dirty="0"/>
@@ -21976,27 +21785,27 @@
               <a:buChar char="•"/>
             </a:pPr>
             <a:r>
-              <a:rPr lang="zh-CN" altLang="en-US" dirty="0" smtClean="0"/>
+              <a:rPr lang="zh-CN" altLang="en-US" dirty="0"/>
               <a:t>优化计算效率，现在优化一次需要时间太长，</a:t>
             </a:r>
             <a:r>
-              <a:rPr lang="en-US" altLang="zh-CN" dirty="0" smtClean="0"/>
+              <a:rPr lang="en-US" altLang="zh-CN" dirty="0"/>
               <a:t>(</a:t>
             </a:r>
             <a:r>
-              <a:rPr lang="zh-CN" altLang="en-US" dirty="0" smtClean="0"/>
+              <a:rPr lang="zh-CN" altLang="en-US" dirty="0"/>
               <a:t>大概</a:t>
             </a:r>
             <a:r>
-              <a:rPr lang="en-US" altLang="zh-CN" dirty="0" smtClean="0"/>
+              <a:rPr lang="en-US" altLang="zh-CN" dirty="0"/>
               <a:t>6~8</a:t>
             </a:r>
             <a:r>
-              <a:rPr lang="zh-CN" altLang="en-US" dirty="0" smtClean="0"/>
+              <a:rPr lang="zh-CN" altLang="en-US" dirty="0"/>
               <a:t>小时</a:t>
             </a:r>
             <a:r>
-              <a:rPr lang="en-US" altLang="zh-CN" dirty="0" smtClean="0"/>
+              <a:rPr lang="en-US" altLang="zh-CN" dirty="0"/>
               <a:t>)</a:t>
             </a:r>
           </a:p>
@@ -22013,10 +21822,10 @@
               <a:buChar char="•"/>
             </a:pPr>
             <a:r>
-              <a:rPr lang="zh-CN" altLang="en-US" dirty="0" smtClean="0"/>
+              <a:rPr lang="zh-CN" altLang="en-US" dirty="0"/>
               <a:t>采用什么指标表征管网震后性能？</a:t>
             </a:r>
-            <a:endParaRPr lang="en-US" altLang="zh-CN" dirty="0" smtClean="0"/>
+            <a:endParaRPr lang="en-US" altLang="zh-CN" dirty="0"/>
           </a:p>
           <a:p>
             <a:pPr marL="285750" indent="-285750">
@@ -22031,17 +21840,17 @@
               <a:buChar char="•"/>
             </a:pPr>
             <a:r>
-              <a:rPr lang="zh-CN" altLang="en-US" dirty="0" smtClean="0"/>
+              <a:rPr lang="zh-CN" altLang="en-US" dirty="0"/>
               <a:t>确定优化目标，震后供水管网什么性能是最重要的？</a:t>
             </a:r>
-            <a:endParaRPr lang="en-US" altLang="zh-CN" dirty="0" smtClean="0"/>
+            <a:endParaRPr lang="en-US" altLang="zh-CN" dirty="0"/>
           </a:p>
           <a:p>
             <a:pPr marL="285750" indent="-285750">
               <a:buFont typeface="Arial" panose="020B0604020202020204" pitchFamily="34" charset="0"/>
               <a:buChar char="•"/>
             </a:pPr>
-            <a:endParaRPr lang="en-US" altLang="zh-CN" dirty="0" smtClean="0"/>
+            <a:endParaRPr lang="en-US" altLang="zh-CN" dirty="0"/>
           </a:p>
           <a:p>
             <a:pPr marL="285750" indent="-285750">
@@ -22049,10 +21858,10 @@
               <a:buChar char="•"/>
             </a:pPr>
             <a:r>
-              <a:rPr lang="zh-CN" altLang="en-US" dirty="0" smtClean="0"/>
+              <a:rPr lang="zh-CN" altLang="en-US" dirty="0"/>
               <a:t>确定合理修复次序的原则？（是否分阶段，不同阶段以不同目标进行修复）</a:t>
             </a:r>
-            <a:endParaRPr lang="en-US" altLang="zh-CN" dirty="0" smtClean="0"/>
+            <a:endParaRPr lang="en-US" altLang="zh-CN" dirty="0"/>
           </a:p>
           <a:p>
             <a:pPr marL="285750" indent="-285750">
@@ -22067,10 +21876,10 @@
               <a:buChar char="•"/>
             </a:pPr>
             <a:r>
-              <a:rPr lang="zh-CN" altLang="en-US" dirty="0" smtClean="0"/>
+              <a:rPr lang="zh-CN" altLang="en-US" dirty="0"/>
               <a:t>确定供水管网震后性态水平</a:t>
             </a:r>
-            <a:endParaRPr lang="en-US" altLang="zh-CN" dirty="0" smtClean="0"/>
+            <a:endParaRPr lang="en-US" altLang="zh-CN" dirty="0"/>
           </a:p>
           <a:p>
             <a:pPr marL="742950" lvl="1" indent="-285750">
@@ -22078,10 +21887,9 @@
               <a:buChar char="•"/>
             </a:pPr>
             <a:r>
-              <a:rPr lang="zh-CN" altLang="en-US" dirty="0" smtClean="0"/>
+              <a:rPr lang="zh-CN" altLang="en-US" dirty="0"/>
               <a:t>如何将震后的性态水平与韧性相关联</a:t>
             </a:r>
-            <a:endParaRPr lang="zh-CN" altLang="en-US" dirty="0"/>
           </a:p>
         </p:txBody>
       </p:sp>
@@ -22312,7 +22120,7 @@
               </a:lnSpc>
             </a:pPr>
             <a:r>
-              <a:rPr lang="en-US" altLang="zh-CN" sz="4000" b="1" dirty="0" smtClean="0">
+              <a:rPr lang="en-US" altLang="zh-CN" sz="4000" b="1" dirty="0">
                 <a:solidFill>
                   <a:schemeClr val="accent1">
                     <a:lumMod val="50000"/>
@@ -22330,7 +22138,7 @@
               </a:lnSpc>
             </a:pPr>
             <a:r>
-              <a:rPr lang="en-US" altLang="zh-CN" sz="4000" b="1" dirty="0" smtClean="0">
+              <a:rPr lang="en-US" altLang="zh-CN" sz="4000" b="1" dirty="0">
                 <a:solidFill>
                   <a:schemeClr val="accent1">
                     <a:lumMod val="50000"/>
@@ -22392,7 +22200,7 @@
           <a:lstStyle/>
           <a:p>
             <a:r>
-              <a:rPr lang="en-US" altLang="zh-CN" b="1" dirty="0" smtClean="0"/>
+              <a:rPr lang="en-US" altLang="zh-CN" b="1" dirty="0"/>
               <a:t>CONTENTS</a:t>
             </a:r>
             <a:endParaRPr lang="zh-CN" altLang="en-US" b="1" dirty="0"/>
@@ -22420,40 +22228,36 @@
           <a:lstStyle/>
           <a:p>
             <a:r>
-              <a:rPr lang="en-US" altLang="zh-CN" dirty="0" smtClean="0"/>
+              <a:rPr lang="en-US" altLang="zh-CN" dirty="0"/>
               <a:t>01 </a:t>
             </a:r>
             <a:r>
-              <a:rPr lang="zh-CN" altLang="en-US" dirty="0" smtClean="0"/>
-              <a:t>研究</a:t>
+              <a:rPr lang="zh-CN" altLang="en-US" dirty="0"/>
+              <a:t>研究框架及完成情况</a:t>
             </a:r>
+            <a:endParaRPr lang="en-US" altLang="zh-CN" dirty="0"/>
+          </a:p>
+          <a:p>
             <a:r>
-              <a:rPr lang="zh-CN" altLang="en-US" dirty="0" smtClean="0"/>
-              <a:t>框架及完成情况</a:t>
-            </a:r>
-            <a:endParaRPr lang="en-US" altLang="zh-CN" dirty="0" smtClean="0"/>
-          </a:p>
-          <a:p>
-            <a:r>
-              <a:rPr lang="en-US" altLang="zh-CN" dirty="0" smtClean="0"/>
+              <a:rPr lang="en-US" altLang="zh-CN" dirty="0"/>
               <a:t>02 </a:t>
             </a:r>
             <a:r>
-              <a:rPr lang="zh-CN" altLang="en-US" dirty="0" smtClean="0"/>
+              <a:rPr lang="zh-CN" altLang="en-US" dirty="0"/>
               <a:t>研究内容</a:t>
             </a:r>
-            <a:endParaRPr lang="en-US" altLang="zh-CN" dirty="0" smtClean="0"/>
+            <a:endParaRPr lang="en-US" altLang="zh-CN" dirty="0"/>
           </a:p>
           <a:p>
             <a:r>
-              <a:rPr lang="en-US" altLang="zh-CN" dirty="0" smtClean="0"/>
+              <a:rPr lang="en-US" altLang="zh-CN" dirty="0"/>
               <a:t>03 </a:t>
             </a:r>
             <a:r>
-              <a:rPr lang="zh-CN" altLang="en-US" dirty="0" smtClean="0"/>
+              <a:rPr lang="zh-CN" altLang="en-US" dirty="0"/>
               <a:t>存在问题</a:t>
             </a:r>
-            <a:endParaRPr lang="en-US" altLang="zh-CN" dirty="0" smtClean="0"/>
+            <a:endParaRPr lang="en-US" altLang="zh-CN" dirty="0"/>
           </a:p>
         </p:txBody>
       </p:sp>
@@ -22462,13 +22266,6 @@
   <p:clrMapOvr>
     <a:masterClrMapping/>
   </p:clrMapOvr>
-  <p:timing>
-    <p:tnLst>
-      <p:par>
-        <p:cTn id="1" dur="indefinite" restart="never" nodeType="tmRoot"/>
-      </p:par>
-    </p:tnLst>
-  </p:timing>
 </p:sld>
 </file>
 
@@ -22528,10 +22325,9 @@
           <a:p>
             <a:pPr algn="ctr"/>
             <a:r>
-              <a:rPr kumimoji="1" lang="zh-CN" altLang="en-US" sz="1350" dirty="0" smtClean="0"/>
+              <a:rPr kumimoji="1" lang="zh-CN" altLang="en-US" sz="1350" dirty="0"/>
               <a:t>管网延时模拟</a:t>
             </a:r>
-            <a:endParaRPr kumimoji="1" lang="zh-CN" altLang="en-US" sz="1350" dirty="0"/>
           </a:p>
         </p:txBody>
       </p:sp>
@@ -22551,22 +22347,17 @@
           <a:lstStyle/>
           <a:p>
             <a:r>
-              <a:rPr lang="en-US" altLang="zh-CN" b="1" dirty="0" smtClean="0"/>
+              <a:rPr lang="en-US" altLang="zh-CN" b="1" dirty="0"/>
               <a:t>01</a:t>
             </a:r>
             <a:r>
-              <a:rPr lang="en-US" b="1" dirty="0" smtClean="0"/>
+              <a:rPr lang="en-US" b="1" dirty="0"/>
               <a:t> </a:t>
             </a:r>
             <a:r>
-              <a:rPr lang="zh-CN" altLang="en-US" b="1" dirty="0" smtClean="0"/>
-              <a:t>研究</a:t>
+              <a:rPr lang="zh-CN" altLang="en-US" b="1" dirty="0"/>
+              <a:t>研究框架</a:t>
             </a:r>
-            <a:r>
-              <a:rPr lang="zh-CN" altLang="en-US" b="1" dirty="0"/>
-              <a:t>框架</a:t>
-            </a:r>
-            <a:endParaRPr lang="zh-CN" altLang="en-US" b="1" dirty="0"/>
           </a:p>
         </p:txBody>
       </p:sp>
@@ -22618,21 +22409,8 @@
                   <a:schemeClr val="tx1"/>
                 </a:solidFill>
               </a:rPr>
-              <a:t>供水管网</a:t>
+              <a:t>供水管网震后分析系统</a:t>
             </a:r>
-            <a:r>
-              <a:rPr kumimoji="1" lang="zh-CN" altLang="en-US" sz="1350" dirty="0" smtClean="0">
-                <a:solidFill>
-                  <a:schemeClr val="tx1"/>
-                </a:solidFill>
-              </a:rPr>
-              <a:t>震后分析系统</a:t>
-            </a:r>
-            <a:endParaRPr kumimoji="1" lang="zh-CN" altLang="en-US" sz="1350" dirty="0">
-              <a:solidFill>
-                <a:schemeClr val="tx1"/>
-              </a:solidFill>
-            </a:endParaRPr>
           </a:p>
         </p:txBody>
       </p:sp>
@@ -23662,21 +23440,8 @@
                   <a:srgbClr val="FF0000"/>
                 </a:solidFill>
               </a:rPr>
-              <a:t>已</a:t>
+              <a:t>已完成</a:t>
             </a:r>
-            <a:r>
-              <a:rPr lang="zh-CN" altLang="en-US" sz="1350" dirty="0" smtClean="0">
-                <a:solidFill>
-                  <a:srgbClr val="FF0000"/>
-                </a:solidFill>
-              </a:rPr>
-              <a:t>完成</a:t>
-            </a:r>
-            <a:endParaRPr lang="zh-CN" altLang="en-US" sz="1350" dirty="0">
-              <a:solidFill>
-                <a:srgbClr val="FF0000"/>
-              </a:solidFill>
-            </a:endParaRPr>
           </a:p>
         </p:txBody>
       </p:sp>
@@ -23766,21 +23531,8 @@
                   <a:srgbClr val="FF0000"/>
                 </a:solidFill>
               </a:rPr>
-              <a:t>已</a:t>
+              <a:t>已完成</a:t>
             </a:r>
-            <a:r>
-              <a:rPr lang="zh-CN" altLang="en-US" sz="1350" dirty="0" smtClean="0">
-                <a:solidFill>
-                  <a:srgbClr val="FF0000"/>
-                </a:solidFill>
-              </a:rPr>
-              <a:t>完成</a:t>
-            </a:r>
-            <a:endParaRPr lang="zh-CN" altLang="en-US" sz="1350" dirty="0">
-              <a:solidFill>
-                <a:srgbClr val="FF0000"/>
-              </a:solidFill>
-            </a:endParaRPr>
           </a:p>
         </p:txBody>
       </p:sp>
@@ -23921,26 +23673,25 @@
           <a:lstStyle/>
           <a:p>
             <a:r>
-              <a:rPr lang="en-US" altLang="zh-CN" b="1" dirty="0" smtClean="0"/>
+              <a:rPr lang="en-US" altLang="zh-CN" b="1" dirty="0"/>
               <a:t>02</a:t>
             </a:r>
             <a:r>
-              <a:rPr lang="en-US" b="1" dirty="0" smtClean="0"/>
+              <a:rPr lang="en-US" b="1" dirty="0"/>
               <a:t> </a:t>
             </a:r>
             <a:r>
-              <a:rPr lang="zh-CN" altLang="en-US" b="1" dirty="0" smtClean="0"/>
+              <a:rPr lang="zh-CN" altLang="en-US" b="1" dirty="0"/>
               <a:t>研究内容</a:t>
             </a:r>
             <a:r>
-              <a:rPr lang="en-US" altLang="zh-CN" b="1" dirty="0" smtClean="0"/>
+              <a:rPr lang="en-US" altLang="zh-CN" b="1" dirty="0"/>
               <a:t>——</a:t>
             </a:r>
             <a:r>
-              <a:rPr lang="zh-CN" altLang="en-US" sz="3600" b="1" dirty="0" smtClean="0"/>
+              <a:rPr lang="zh-CN" altLang="en-US" sz="3600" b="1" dirty="0"/>
               <a:t>管网震后分析系统</a:t>
             </a:r>
-            <a:endParaRPr lang="zh-CN" altLang="en-US" sz="3600" b="1" dirty="0"/>
           </a:p>
         </p:txBody>
       </p:sp>
@@ -23992,21 +23743,8 @@
                   <a:schemeClr val="tx1"/>
                 </a:solidFill>
               </a:rPr>
-              <a:t>供水</a:t>
+              <a:t>供水管网后分析系统</a:t>
             </a:r>
-            <a:r>
-              <a:rPr kumimoji="1" lang="zh-CN" altLang="en-US" sz="1350" dirty="0" smtClean="0">
-                <a:solidFill>
-                  <a:schemeClr val="tx1"/>
-                </a:solidFill>
-              </a:rPr>
-              <a:t>管网后分析系统</a:t>
-            </a:r>
-            <a:endParaRPr kumimoji="1" lang="zh-CN" altLang="en-US" sz="1350" dirty="0">
-              <a:solidFill>
-                <a:schemeClr val="tx1"/>
-              </a:solidFill>
-            </a:endParaRPr>
           </a:p>
         </p:txBody>
       </p:sp>
@@ -24350,21 +24088,8 @@
                   <a:srgbClr val="FF0000"/>
                 </a:solidFill>
               </a:rPr>
-              <a:t>已</a:t>
+              <a:t>已完成</a:t>
             </a:r>
-            <a:r>
-              <a:rPr lang="zh-CN" altLang="en-US" sz="1350" dirty="0" smtClean="0">
-                <a:solidFill>
-                  <a:srgbClr val="FF0000"/>
-                </a:solidFill>
-              </a:rPr>
-              <a:t>完成</a:t>
-            </a:r>
-            <a:endParaRPr lang="zh-CN" altLang="en-US" sz="1350" dirty="0">
-              <a:solidFill>
-                <a:srgbClr val="FF0000"/>
-              </a:solidFill>
-            </a:endParaRPr>
           </a:p>
         </p:txBody>
       </p:sp>
@@ -24517,8 +24242,8 @@
           </a:fontRef>
         </p:style>
       </p:cxnSp>
-      <mc:AlternateContent xmlns:mc="http://schemas.openxmlformats.org/markup-compatibility/2006">
-        <mc:Choice xmlns:a14="http://schemas.microsoft.com/office/drawing/2010/main" Requires="a14">
+      <mc:AlternateContent xmlns:mc="http://schemas.openxmlformats.org/markup-compatibility/2006" xmlns:a14="http://schemas.microsoft.com/office/drawing/2010/main">
+        <mc:Choice Requires="a14">
           <p:sp>
             <p:nvSpPr>
               <p:cNvPr id="37" name="矩形 36"/>
@@ -24634,7 +24359,7 @@
             </p:txBody>
           </p:sp>
         </mc:Choice>
-        <mc:Fallback>
+        <mc:Fallback xmlns="">
           <p:sp>
             <p:nvSpPr>
               <p:cNvPr id="37" name="矩形 36"/>
@@ -24673,8 +24398,8 @@
           </p:sp>
         </mc:Fallback>
       </mc:AlternateContent>
-      <mc:AlternateContent xmlns:mc="http://schemas.openxmlformats.org/markup-compatibility/2006">
-        <mc:Choice xmlns:a14="http://schemas.microsoft.com/office/drawing/2010/main" Requires="a14">
+      <mc:AlternateContent xmlns:mc="http://schemas.openxmlformats.org/markup-compatibility/2006" xmlns:a14="http://schemas.microsoft.com/office/drawing/2010/main">
+        <mc:Choice Requires="a14">
           <p:sp>
             <p:nvSpPr>
               <p:cNvPr id="38" name="矩形 37"/>
@@ -24815,7 +24540,7 @@
             </p:txBody>
           </p:sp>
         </mc:Choice>
-        <mc:Fallback>
+        <mc:Fallback xmlns="">
           <p:sp>
             <p:nvSpPr>
               <p:cNvPr id="38" name="矩形 37"/>
@@ -25092,26 +24817,25 @@
           <a:lstStyle/>
           <a:p>
             <a:r>
-              <a:rPr lang="en-US" altLang="zh-CN" b="1" dirty="0" smtClean="0"/>
+              <a:rPr lang="en-US" altLang="zh-CN" b="1" dirty="0"/>
               <a:t>02</a:t>
             </a:r>
             <a:r>
-              <a:rPr lang="en-US" b="1" dirty="0" smtClean="0"/>
+              <a:rPr lang="en-US" b="1" dirty="0"/>
               <a:t> </a:t>
             </a:r>
             <a:r>
-              <a:rPr lang="zh-CN" altLang="en-US" b="1" dirty="0" smtClean="0"/>
+              <a:rPr lang="zh-CN" altLang="en-US" b="1" dirty="0"/>
               <a:t>研究内容</a:t>
             </a:r>
             <a:r>
-              <a:rPr lang="en-US" altLang="zh-CN" b="1" dirty="0" smtClean="0"/>
+              <a:rPr lang="en-US" altLang="zh-CN" b="1" dirty="0"/>
               <a:t>——</a:t>
             </a:r>
             <a:r>
-              <a:rPr lang="zh-CN" altLang="en-US" sz="3600" b="1" dirty="0" smtClean="0"/>
+              <a:rPr lang="zh-CN" altLang="en-US" sz="3600" b="1" dirty="0"/>
               <a:t>管网震后分析系统</a:t>
             </a:r>
-            <a:endParaRPr lang="zh-CN" altLang="en-US" sz="3600" b="1" dirty="0"/>
           </a:p>
         </p:txBody>
       </p:sp>
@@ -25191,7 +24915,7 @@
           <a:graphicData uri="http://schemas.openxmlformats.org/presentationml/2006/ole">
             <mc:AlternateContent xmlns:mc="http://schemas.openxmlformats.org/markup-compatibility/2006">
               <mc:Choice xmlns:v="urn:schemas-microsoft-com:vml" Requires="v">
-                <p:oleObj spid="_x0000_s2074" name="Graph" r:id="rId4" imgW="3682080" imgH="2265512" progId="Origin50.Graph">
+                <p:oleObj spid="_x0000_s2076" name="Graph" r:id="rId4" imgW="3682080" imgH="2265512" progId="Origin50.Graph">
                   <p:embed/>
                 </p:oleObj>
               </mc:Choice>
@@ -25384,7 +25108,7 @@
           <a:graphicData uri="http://schemas.openxmlformats.org/presentationml/2006/ole">
             <mc:AlternateContent xmlns:mc="http://schemas.openxmlformats.org/markup-compatibility/2006">
               <mc:Choice xmlns:v="urn:schemas-microsoft-com:vml" Requires="v">
-                <p:oleObj spid="_x0000_s2075" name="Graph" r:id="rId7" imgW="3903120" imgH="2473625" progId="Origin50.Graph">
+                <p:oleObj spid="_x0000_s2077" name="Graph" r:id="rId7" imgW="3903120" imgH="2473625" progId="Origin50.Graph">
                   <p:embed/>
                 </p:oleObj>
               </mc:Choice>
@@ -25484,26 +25208,25 @@
           <a:lstStyle/>
           <a:p>
             <a:r>
-              <a:rPr lang="en-US" altLang="zh-CN" b="1" dirty="0" smtClean="0"/>
+              <a:rPr lang="en-US" altLang="zh-CN" b="1" dirty="0"/>
               <a:t>02</a:t>
             </a:r>
             <a:r>
-              <a:rPr lang="en-US" b="1" dirty="0" smtClean="0"/>
+              <a:rPr lang="en-US" b="1" dirty="0"/>
               <a:t> </a:t>
             </a:r>
             <a:r>
-              <a:rPr lang="zh-CN" altLang="en-US" b="1" dirty="0" smtClean="0"/>
+              <a:rPr lang="zh-CN" altLang="en-US" b="1" dirty="0"/>
               <a:t>研究内容</a:t>
             </a:r>
             <a:r>
-              <a:rPr lang="en-US" altLang="zh-CN" b="1" dirty="0" smtClean="0"/>
+              <a:rPr lang="en-US" altLang="zh-CN" b="1" dirty="0"/>
               <a:t>——</a:t>
             </a:r>
             <a:r>
-              <a:rPr lang="zh-CN" altLang="en-US" sz="3600" b="1" dirty="0" smtClean="0"/>
+              <a:rPr lang="zh-CN" altLang="en-US" sz="3600" b="1" dirty="0"/>
               <a:t>供水管网延时模拟</a:t>
             </a:r>
-            <a:endParaRPr lang="zh-CN" altLang="en-US" sz="3600" b="1" dirty="0"/>
           </a:p>
         </p:txBody>
       </p:sp>
@@ -25560,7 +25283,7 @@
           <a:lstStyle/>
           <a:p>
             <a:r>
-              <a:rPr lang="zh-CN" altLang="en-US" b="1" dirty="0" smtClean="0">
+              <a:rPr lang="zh-CN" altLang="en-US" b="1" dirty="0">
                 <a:solidFill>
                   <a:srgbClr val="FF0000"/>
                 </a:solidFill>
@@ -25568,11 +25291,11 @@
               <a:t>韧性分析基础</a:t>
             </a:r>
             <a:r>
-              <a:rPr lang="zh-CN" altLang="en-US" dirty="0" smtClean="0"/>
+              <a:rPr lang="zh-CN" altLang="en-US" dirty="0"/>
               <a:t>：在供水管网震后分析系统中，采用</a:t>
             </a:r>
             <a:r>
-              <a:rPr lang="zh-CN" altLang="en-US" dirty="0" smtClean="0">
+              <a:rPr lang="zh-CN" altLang="en-US" dirty="0">
                 <a:solidFill>
                   <a:srgbClr val="FF0000"/>
                 </a:solidFill>
@@ -25580,11 +25303,11 @@
               <a:t>单时刻</a:t>
             </a:r>
             <a:r>
-              <a:rPr lang="zh-CN" altLang="en-US" dirty="0" smtClean="0"/>
+              <a:rPr lang="zh-CN" altLang="en-US" dirty="0"/>
               <a:t>水力分析方法。但是在管网震后韧性分析中，需要考虑地震后</a:t>
             </a:r>
             <a:r>
-              <a:rPr lang="zh-CN" altLang="en-US" dirty="0" smtClean="0">
+              <a:rPr lang="zh-CN" altLang="en-US" dirty="0">
                 <a:solidFill>
                   <a:srgbClr val="FF0000"/>
                 </a:solidFill>
@@ -25592,11 +25315,11 @@
               <a:t>一段时间</a:t>
             </a:r>
             <a:r>
-              <a:rPr lang="zh-CN" altLang="en-US" dirty="0" smtClean="0"/>
+              <a:rPr lang="zh-CN" altLang="en-US" dirty="0"/>
               <a:t>内供水管网的总体性能，需要进行</a:t>
             </a:r>
             <a:r>
-              <a:rPr lang="zh-CN" altLang="en-US" dirty="0" smtClean="0">
+              <a:rPr lang="zh-CN" altLang="en-US" dirty="0">
                 <a:solidFill>
                   <a:srgbClr val="FF0000"/>
                 </a:solidFill>
@@ -25604,10 +25327,9 @@
               <a:t>延时模拟</a:t>
             </a:r>
             <a:r>
-              <a:rPr lang="zh-CN" altLang="en-US" dirty="0" smtClean="0"/>
+              <a:rPr lang="zh-CN" altLang="en-US" dirty="0"/>
               <a:t>分析。</a:t>
             </a:r>
-            <a:endParaRPr lang="zh-CN" altLang="en-US" dirty="0"/>
           </a:p>
         </p:txBody>
       </p:sp>
@@ -25675,10 +25397,9 @@
                     <a:lstStyle/>
                     <a:p>
                       <a:r>
-                        <a:rPr lang="zh-CN" altLang="en-US" dirty="0" smtClean="0"/>
+                        <a:rPr lang="zh-CN" altLang="en-US" dirty="0"/>
                         <a:t>单点模拟</a:t>
                       </a:r>
-                      <a:endParaRPr lang="zh-CN" altLang="en-US" dirty="0"/>
                     </a:p>
                   </a:txBody>
                   <a:tcPr/>
@@ -25689,10 +25410,9 @@
                     <a:lstStyle/>
                     <a:p>
                       <a:r>
-                        <a:rPr lang="zh-CN" altLang="en-US" dirty="0" smtClean="0"/>
+                        <a:rPr lang="zh-CN" altLang="en-US" dirty="0"/>
                         <a:t>延时模拟</a:t>
                       </a:r>
-                      <a:endParaRPr lang="zh-CN" altLang="en-US" dirty="0"/>
                     </a:p>
                   </a:txBody>
                   <a:tcPr/>
@@ -25710,10 +25430,9 @@
                     <a:lstStyle/>
                     <a:p>
                       <a:r>
-                        <a:rPr lang="zh-CN" altLang="en-US" dirty="0" smtClean="0"/>
+                        <a:rPr lang="zh-CN" altLang="en-US" dirty="0"/>
                         <a:t>时间维度</a:t>
                       </a:r>
-                      <a:endParaRPr lang="zh-CN" altLang="en-US" dirty="0"/>
                     </a:p>
                   </a:txBody>
                   <a:tcPr/>
@@ -25724,10 +25443,9 @@
                     <a:lstStyle/>
                     <a:p>
                       <a:r>
-                        <a:rPr lang="zh-CN" altLang="en-US" dirty="0" smtClean="0"/>
+                        <a:rPr lang="zh-CN" altLang="en-US" dirty="0"/>
                         <a:t>单一时刻</a:t>
                       </a:r>
-                      <a:endParaRPr lang="zh-CN" altLang="en-US" dirty="0"/>
                     </a:p>
                   </a:txBody>
                   <a:tcPr/>
@@ -25738,10 +25456,9 @@
                     <a:lstStyle/>
                     <a:p>
                       <a:r>
-                        <a:rPr lang="zh-CN" altLang="en-US" dirty="0" smtClean="0"/>
+                        <a:rPr lang="zh-CN" altLang="en-US" dirty="0"/>
                         <a:t>一段时间</a:t>
                       </a:r>
-                      <a:endParaRPr lang="zh-CN" altLang="en-US" dirty="0"/>
                     </a:p>
                   </a:txBody>
                   <a:tcPr/>
@@ -25759,10 +25476,9 @@
                     <a:lstStyle/>
                     <a:p>
                       <a:r>
-                        <a:rPr lang="zh-CN" altLang="en-US" dirty="0" smtClean="0"/>
+                        <a:rPr lang="zh-CN" altLang="en-US" dirty="0"/>
                         <a:t>是否考虑蓄水池作用</a:t>
                       </a:r>
-                      <a:endParaRPr lang="zh-CN" altLang="en-US" dirty="0"/>
                     </a:p>
                   </a:txBody>
                   <a:tcPr/>
@@ -25773,7 +25489,7 @@
                     <a:lstStyle/>
                     <a:p>
                       <a:r>
-                        <a:rPr lang="zh-CN" altLang="en-US" dirty="0" smtClean="0">
+                        <a:rPr lang="zh-CN" altLang="en-US" dirty="0">
                           <a:solidFill>
                             <a:srgbClr val="FF0000"/>
                           </a:solidFill>
@@ -25791,10 +25507,9 @@
                     <a:lstStyle/>
                     <a:p>
                       <a:r>
-                        <a:rPr lang="zh-CN" altLang="en-US" dirty="0" smtClean="0"/>
+                        <a:rPr lang="zh-CN" altLang="en-US" dirty="0"/>
                         <a:t>是</a:t>
                       </a:r>
-                      <a:endParaRPr lang="zh-CN" altLang="en-US" dirty="0"/>
                     </a:p>
                   </a:txBody>
                   <a:tcPr/>
@@ -25812,10 +25527,9 @@
                     <a:lstStyle/>
                     <a:p>
                       <a:r>
-                        <a:rPr lang="zh-CN" altLang="en-US" dirty="0" smtClean="0"/>
+                        <a:rPr lang="zh-CN" altLang="en-US" dirty="0"/>
                         <a:t>是否考虑节点需水量变化</a:t>
                       </a:r>
-                      <a:endParaRPr lang="zh-CN" altLang="en-US" dirty="0"/>
                     </a:p>
                   </a:txBody>
                   <a:tcPr/>
@@ -25826,18 +25540,13 @@
                     <a:lstStyle/>
                     <a:p>
                       <a:r>
-                        <a:rPr lang="zh-CN" altLang="en-US" dirty="0" smtClean="0">
+                        <a:rPr lang="zh-CN" altLang="en-US" dirty="0">
                           <a:solidFill>
                             <a:srgbClr val="FF0000"/>
                           </a:solidFill>
                         </a:rPr>
                         <a:t>否</a:t>
                       </a:r>
-                      <a:endParaRPr lang="zh-CN" altLang="en-US" dirty="0">
-                        <a:solidFill>
-                          <a:srgbClr val="FF0000"/>
-                        </a:solidFill>
-                      </a:endParaRPr>
                     </a:p>
                   </a:txBody>
                   <a:tcPr/>
@@ -25848,10 +25557,9 @@
                     <a:lstStyle/>
                     <a:p>
                       <a:r>
-                        <a:rPr lang="zh-CN" altLang="en-US" dirty="0" smtClean="0"/>
+                        <a:rPr lang="zh-CN" altLang="en-US" dirty="0"/>
                         <a:t>是</a:t>
                       </a:r>
-                      <a:endParaRPr lang="zh-CN" altLang="en-US" dirty="0"/>
                     </a:p>
                   </a:txBody>
                   <a:tcPr/>
@@ -25869,10 +25577,9 @@
                     <a:lstStyle/>
                     <a:p>
                       <a:r>
-                        <a:rPr lang="zh-CN" altLang="en-US" dirty="0" smtClean="0"/>
+                        <a:rPr lang="zh-CN" altLang="en-US" dirty="0"/>
                         <a:t>是否考虑水泵影响</a:t>
                       </a:r>
-                      <a:endParaRPr lang="zh-CN" altLang="en-US" dirty="0"/>
                     </a:p>
                   </a:txBody>
                   <a:tcPr/>
@@ -25883,18 +25590,13 @@
                     <a:lstStyle/>
                     <a:p>
                       <a:r>
-                        <a:rPr lang="zh-CN" altLang="en-US" dirty="0" smtClean="0">
+                        <a:rPr lang="zh-CN" altLang="en-US" dirty="0">
                           <a:solidFill>
                             <a:srgbClr val="FF0000"/>
                           </a:solidFill>
                         </a:rPr>
                         <a:t>否</a:t>
                       </a:r>
-                      <a:endParaRPr lang="zh-CN" altLang="en-US" dirty="0">
-                        <a:solidFill>
-                          <a:srgbClr val="FF0000"/>
-                        </a:solidFill>
-                      </a:endParaRPr>
                     </a:p>
                   </a:txBody>
                   <a:tcPr/>
@@ -25905,10 +25607,9 @@
                     <a:lstStyle/>
                     <a:p>
                       <a:r>
-                        <a:rPr lang="zh-CN" altLang="en-US" dirty="0" smtClean="0"/>
+                        <a:rPr lang="zh-CN" altLang="en-US" dirty="0"/>
                         <a:t>是</a:t>
                       </a:r>
-                      <a:endParaRPr lang="zh-CN" altLang="en-US" dirty="0"/>
                     </a:p>
                   </a:txBody>
                   <a:tcPr/>
@@ -25926,7 +25627,7 @@
                     <a:lstStyle/>
                     <a:p>
                       <a:r>
-                        <a:rPr lang="en-US" altLang="zh-CN" dirty="0" smtClean="0"/>
+                        <a:rPr lang="en-US" altLang="zh-CN" dirty="0"/>
                         <a:t>…</a:t>
                       </a:r>
                       <a:endParaRPr lang="zh-CN" altLang="en-US" dirty="0"/>
@@ -25940,7 +25641,7 @@
                     <a:lstStyle/>
                     <a:p>
                       <a:r>
-                        <a:rPr lang="en-US" altLang="zh-CN" dirty="0" smtClean="0">
+                        <a:rPr lang="en-US" altLang="zh-CN" dirty="0">
                           <a:solidFill>
                             <a:srgbClr val="FF0000"/>
                           </a:solidFill>
@@ -25962,7 +25663,7 @@
                     <a:lstStyle/>
                     <a:p>
                       <a:r>
-                        <a:rPr lang="en-US" altLang="zh-CN" dirty="0" smtClean="0"/>
+                        <a:rPr lang="en-US" altLang="zh-CN" dirty="0"/>
                         <a:t>…</a:t>
                       </a:r>
                       <a:endParaRPr lang="zh-CN" altLang="en-US" dirty="0"/>
@@ -26026,26 +25727,25 @@
           <a:lstStyle/>
           <a:p>
             <a:r>
-              <a:rPr lang="en-US" altLang="zh-CN" b="1" dirty="0" smtClean="0"/>
+              <a:rPr lang="en-US" altLang="zh-CN" b="1" dirty="0"/>
               <a:t>02</a:t>
             </a:r>
             <a:r>
-              <a:rPr lang="en-US" b="1" dirty="0" smtClean="0"/>
+              <a:rPr lang="en-US" b="1" dirty="0"/>
               <a:t> </a:t>
             </a:r>
             <a:r>
-              <a:rPr lang="zh-CN" altLang="en-US" b="1" dirty="0" smtClean="0"/>
+              <a:rPr lang="zh-CN" altLang="en-US" b="1" dirty="0"/>
               <a:t>研究内容</a:t>
             </a:r>
             <a:r>
-              <a:rPr lang="en-US" altLang="zh-CN" b="1" dirty="0" smtClean="0"/>
+              <a:rPr lang="en-US" altLang="zh-CN" b="1" dirty="0"/>
               <a:t>——</a:t>
             </a:r>
             <a:r>
-              <a:rPr lang="zh-CN" altLang="en-US" sz="3600" b="1" dirty="0" smtClean="0"/>
+              <a:rPr lang="zh-CN" altLang="en-US" sz="3600" b="1" dirty="0"/>
               <a:t>供水管网延时模拟</a:t>
             </a:r>
-            <a:endParaRPr lang="zh-CN" altLang="en-US" sz="3600" b="1" dirty="0"/>
           </a:p>
         </p:txBody>
       </p:sp>
@@ -26072,7 +25772,7 @@
           <a:lstStyle/>
           <a:p>
             <a:r>
-              <a:rPr lang="zh-CN" altLang="en-US" dirty="0" smtClean="0">
+              <a:rPr lang="zh-CN" altLang="en-US" dirty="0">
                 <a:solidFill>
                   <a:srgbClr val="FF0000"/>
                 </a:solidFill>
@@ -26080,10 +25780,9 @@
               <a:t>单时刻模拟</a:t>
             </a:r>
             <a:r>
-              <a:rPr lang="zh-CN" altLang="en-US" dirty="0" smtClean="0"/>
+              <a:rPr lang="zh-CN" altLang="en-US" dirty="0"/>
               <a:t>与延时模拟的破坏模型区别：</a:t>
             </a:r>
-            <a:endParaRPr lang="zh-CN" altLang="en-US" dirty="0"/>
           </a:p>
         </p:txBody>
       </p:sp>
@@ -26164,7 +25863,7 @@
           <a:lstStyle/>
           <a:p>
             <a:r>
-              <a:rPr lang="zh-CN" altLang="en-US" dirty="0" smtClean="0">
+              <a:rPr lang="zh-CN" altLang="en-US" dirty="0">
                 <a:solidFill>
                   <a:srgbClr val="FF0000"/>
                 </a:solidFill>
@@ -26172,7 +25871,7 @@
               <a:t>问题：在延时模拟中出现负流量，该问题在文献</a:t>
             </a:r>
             <a:r>
-              <a:rPr lang="en-US" altLang="zh-CN" dirty="0" smtClean="0">
+              <a:rPr lang="en-US" altLang="zh-CN" dirty="0">
                 <a:solidFill>
                   <a:srgbClr val="FF0000"/>
                 </a:solidFill>
@@ -26180,18 +25879,13 @@
               <a:t>[1]</a:t>
             </a:r>
             <a:r>
-              <a:rPr lang="zh-CN" altLang="en-US" dirty="0" smtClean="0">
+              <a:rPr lang="zh-CN" altLang="en-US" dirty="0">
                 <a:solidFill>
                   <a:srgbClr val="FF0000"/>
                 </a:solidFill>
               </a:rPr>
               <a:t>中同时说明</a:t>
             </a:r>
-            <a:endParaRPr lang="zh-CN" altLang="en-US" dirty="0">
-              <a:solidFill>
-                <a:srgbClr val="FF0000"/>
-              </a:solidFill>
-            </a:endParaRPr>
           </a:p>
         </p:txBody>
       </p:sp>
@@ -26621,7 +26315,7 @@
               <a:tabLst/>
             </a:pPr>
             <a:r>
-              <a:rPr kumimoji="0" lang="zh-CN" altLang="zh-CN" sz="500" b="1" i="1" u="none" strike="noStrike" cap="none" normalizeH="0" baseline="0" smtClean="0">
+              <a:rPr kumimoji="0" lang="zh-CN" altLang="zh-CN" sz="500" b="1" i="1" u="none" strike="noStrike" cap="none" normalizeH="0" baseline="0">
                 <a:ln>
                   <a:noFill/>
                 </a:ln>
@@ -26633,7 +26327,7 @@
               </a:rPr>
               <a:t>B</a:t>
             </a:r>
-            <a:endParaRPr kumimoji="0" lang="zh-CN" altLang="zh-CN" sz="1800" b="0" i="0" u="none" strike="noStrike" cap="none" normalizeH="0" baseline="0" smtClean="0">
+            <a:endParaRPr kumimoji="0" lang="zh-CN" altLang="zh-CN" sz="1800" b="0" i="0" u="none" strike="noStrike" cap="none" normalizeH="0" baseline="0">
               <a:ln>
                 <a:noFill/>
               </a:ln>
@@ -26839,7 +26533,7 @@
               <a:tabLst/>
             </a:pPr>
             <a:r>
-              <a:rPr kumimoji="0" lang="zh-CN" altLang="zh-CN" sz="500" b="1" i="1" u="none" strike="noStrike" cap="none" normalizeH="0" baseline="0" smtClean="0">
+              <a:rPr kumimoji="0" lang="zh-CN" altLang="zh-CN" sz="500" b="1" i="1" u="none" strike="noStrike" cap="none" normalizeH="0" baseline="0">
                 <a:ln>
                   <a:noFill/>
                 </a:ln>
@@ -26851,7 +26545,7 @@
               </a:rPr>
               <a:t>A</a:t>
             </a:r>
-            <a:endParaRPr kumimoji="0" lang="zh-CN" altLang="zh-CN" sz="1800" b="0" i="0" u="none" strike="noStrike" cap="none" normalizeH="0" baseline="0" smtClean="0">
+            <a:endParaRPr kumimoji="0" lang="zh-CN" altLang="zh-CN" sz="1800" b="0" i="0" u="none" strike="noStrike" cap="none" normalizeH="0" baseline="0">
               <a:ln>
                 <a:noFill/>
               </a:ln>
@@ -27057,7 +26751,7 @@
               <a:tabLst/>
             </a:pPr>
             <a:r>
-              <a:rPr kumimoji="0" lang="zh-CN" altLang="zh-CN" sz="500" b="1" i="1" u="none" strike="noStrike" cap="none" normalizeH="0" baseline="0" smtClean="0">
+              <a:rPr kumimoji="0" lang="zh-CN" altLang="zh-CN" sz="500" b="1" i="1" u="none" strike="noStrike" cap="none" normalizeH="0" baseline="0">
                 <a:ln>
                   <a:noFill/>
                 </a:ln>
@@ -27069,7 +26763,7 @@
               </a:rPr>
               <a:t>Q</a:t>
             </a:r>
-            <a:endParaRPr kumimoji="0" lang="zh-CN" altLang="zh-CN" sz="1800" b="0" i="0" u="none" strike="noStrike" cap="none" normalizeH="0" baseline="0" smtClean="0">
+            <a:endParaRPr kumimoji="0" lang="zh-CN" altLang="zh-CN" sz="1800" b="0" i="0" u="none" strike="noStrike" cap="none" normalizeH="0" baseline="0">
               <a:ln>
                 <a:noFill/>
               </a:ln>
@@ -27275,7 +26969,7 @@
               <a:tabLst/>
             </a:pPr>
             <a:r>
-              <a:rPr kumimoji="0" lang="zh-CN" altLang="zh-CN" sz="400" b="1" i="1" u="none" strike="noStrike" cap="none" normalizeH="0" baseline="0" smtClean="0">
+              <a:rPr kumimoji="0" lang="zh-CN" altLang="zh-CN" sz="400" b="1" i="1" u="none" strike="noStrike" cap="none" normalizeH="0" baseline="0">
                 <a:ln>
                   <a:noFill/>
                 </a:ln>
@@ -27287,7 +26981,7 @@
               </a:rPr>
               <a:t>A</a:t>
             </a:r>
-            <a:endParaRPr kumimoji="0" lang="zh-CN" altLang="zh-CN" sz="1800" b="0" i="0" u="none" strike="noStrike" cap="none" normalizeH="0" baseline="0" smtClean="0">
+            <a:endParaRPr kumimoji="0" lang="zh-CN" altLang="zh-CN" sz="1800" b="0" i="0" u="none" strike="noStrike" cap="none" normalizeH="0" baseline="0">
               <a:ln>
                 <a:noFill/>
               </a:ln>
@@ -27493,7 +27187,7 @@
               <a:tabLst/>
             </a:pPr>
             <a:r>
-              <a:rPr kumimoji="0" lang="zh-CN" altLang="zh-CN" sz="500" b="1" i="1" u="none" strike="noStrike" cap="none" normalizeH="0" baseline="0" smtClean="0">
+              <a:rPr kumimoji="0" lang="zh-CN" altLang="zh-CN" sz="500" b="1" i="1" u="none" strike="noStrike" cap="none" normalizeH="0" baseline="0">
                 <a:ln>
                   <a:noFill/>
                 </a:ln>
@@ -27505,7 +27199,7 @@
               </a:rPr>
               <a:t>Q</a:t>
             </a:r>
-            <a:endParaRPr kumimoji="0" lang="zh-CN" altLang="zh-CN" sz="1800" b="0" i="0" u="none" strike="noStrike" cap="none" normalizeH="0" baseline="0" smtClean="0">
+            <a:endParaRPr kumimoji="0" lang="zh-CN" altLang="zh-CN" sz="1800" b="0" i="0" u="none" strike="noStrike" cap="none" normalizeH="0" baseline="0">
               <a:ln>
                 <a:noFill/>
               </a:ln>
@@ -27711,7 +27405,7 @@
               <a:tabLst/>
             </a:pPr>
             <a:r>
-              <a:rPr kumimoji="0" lang="zh-CN" altLang="zh-CN" sz="400" b="1" i="1" u="none" strike="noStrike" cap="none" normalizeH="0" baseline="0" smtClean="0">
+              <a:rPr kumimoji="0" lang="zh-CN" altLang="zh-CN" sz="400" b="1" i="1" u="none" strike="noStrike" cap="none" normalizeH="0" baseline="0">
                 <a:ln>
                   <a:noFill/>
                 </a:ln>
@@ -27723,7 +27417,7 @@
               </a:rPr>
               <a:t>B</a:t>
             </a:r>
-            <a:endParaRPr kumimoji="0" lang="zh-CN" altLang="zh-CN" sz="1800" b="0" i="0" u="none" strike="noStrike" cap="none" normalizeH="0" baseline="0" smtClean="0">
+            <a:endParaRPr kumimoji="0" lang="zh-CN" altLang="zh-CN" sz="1800" b="0" i="0" u="none" strike="noStrike" cap="none" normalizeH="0" baseline="0">
               <a:ln>
                 <a:noFill/>
               </a:ln>
@@ -27929,7 +27623,7 @@
               <a:tabLst/>
             </a:pPr>
             <a:r>
-              <a:rPr kumimoji="0" lang="zh-CN" altLang="zh-CN" sz="500" b="1" i="1" u="none" strike="noStrike" cap="none" normalizeH="0" baseline="0" smtClean="0">
+              <a:rPr kumimoji="0" lang="zh-CN" altLang="zh-CN" sz="500" b="1" i="1" u="none" strike="noStrike" cap="none" normalizeH="0" baseline="0">
                 <a:ln>
                   <a:noFill/>
                 </a:ln>
@@ -27941,7 +27635,7 @@
               </a:rPr>
               <a:t>?L</a:t>
             </a:r>
-            <a:endParaRPr kumimoji="0" lang="zh-CN" altLang="zh-CN" sz="1800" b="0" i="0" u="none" strike="noStrike" cap="none" normalizeH="0" baseline="0" smtClean="0">
+            <a:endParaRPr kumimoji="0" lang="zh-CN" altLang="zh-CN" sz="1800" b="0" i="0" u="none" strike="noStrike" cap="none" normalizeH="0" baseline="0">
               <a:ln>
                 <a:noFill/>
               </a:ln>
@@ -28147,7 +27841,7 @@
               <a:tabLst/>
             </a:pPr>
             <a:r>
-              <a:rPr kumimoji="0" lang="zh-CN" altLang="zh-CN" sz="500" b="1" i="0" u="none" strike="noStrike" cap="none" normalizeH="0" baseline="0" smtClean="0">
+              <a:rPr kumimoji="0" lang="zh-CN" altLang="zh-CN" sz="500" b="1" i="0" u="none" strike="noStrike" cap="none" normalizeH="0" baseline="0">
                 <a:ln>
                   <a:noFill/>
                 </a:ln>
@@ -28159,7 +27853,7 @@
               </a:rPr>
               <a:t>(1</a:t>
             </a:r>
-            <a:endParaRPr kumimoji="0" lang="zh-CN" altLang="zh-CN" sz="1800" b="0" i="0" u="none" strike="noStrike" cap="none" normalizeH="0" baseline="0" smtClean="0">
+            <a:endParaRPr kumimoji="0" lang="zh-CN" altLang="zh-CN" sz="1800" b="0" i="0" u="none" strike="noStrike" cap="none" normalizeH="0" baseline="0">
               <a:ln>
                 <a:noFill/>
               </a:ln>
@@ -28365,7 +28059,7 @@
               <a:tabLst/>
             </a:pPr>
             <a:r>
-              <a:rPr kumimoji="0" lang="zh-CN" altLang="zh-CN" sz="500" b="1" i="0" u="none" strike="noStrike" cap="none" normalizeH="0" baseline="0" smtClean="0">
+              <a:rPr kumimoji="0" lang="zh-CN" altLang="zh-CN" sz="500" b="1" i="0" u="none" strike="noStrike" cap="none" normalizeH="0" baseline="0">
                 <a:ln>
                   <a:noFill/>
                 </a:ln>
@@ -28377,7 +28071,7 @@
               </a:rPr>
               <a:t>-</a:t>
             </a:r>
-            <a:endParaRPr kumimoji="0" lang="zh-CN" altLang="zh-CN" sz="1800" b="0" i="0" u="none" strike="noStrike" cap="none" normalizeH="0" baseline="0" smtClean="0">
+            <a:endParaRPr kumimoji="0" lang="zh-CN" altLang="zh-CN" sz="1800" b="0" i="0" u="none" strike="noStrike" cap="none" normalizeH="0" baseline="0">
               <a:ln>
                 <a:noFill/>
               </a:ln>
@@ -28583,7 +28277,7 @@
               <a:tabLst/>
             </a:pPr>
             <a:r>
-              <a:rPr kumimoji="0" lang="zh-CN" altLang="zh-CN" sz="500" b="1" i="1" u="none" strike="noStrike" cap="none" normalizeH="0" baseline="0" smtClean="0">
+              <a:rPr kumimoji="0" lang="zh-CN" altLang="zh-CN" sz="500" b="1" i="1" u="none" strike="noStrike" cap="none" normalizeH="0" baseline="0">
                 <a:ln>
                   <a:noFill/>
                 </a:ln>
@@ -28595,7 +28289,7 @@
               </a:rPr>
               <a:t>?</a:t>
             </a:r>
-            <a:endParaRPr kumimoji="0" lang="zh-CN" altLang="zh-CN" sz="1800" b="0" i="0" u="none" strike="noStrike" cap="none" normalizeH="0" baseline="0" smtClean="0">
+            <a:endParaRPr kumimoji="0" lang="zh-CN" altLang="zh-CN" sz="1800" b="0" i="0" u="none" strike="noStrike" cap="none" normalizeH="0" baseline="0">
               <a:ln>
                 <a:noFill/>
               </a:ln>
@@ -28801,7 +28495,7 @@
               <a:tabLst/>
             </a:pPr>
             <a:r>
-              <a:rPr kumimoji="0" lang="zh-CN" altLang="zh-CN" sz="500" b="1" i="0" u="none" strike="noStrike" cap="none" normalizeH="0" baseline="0" smtClean="0">
+              <a:rPr kumimoji="0" lang="zh-CN" altLang="zh-CN" sz="500" b="1" i="0" u="none" strike="noStrike" cap="none" normalizeH="0" baseline="0">
                 <a:ln>
                   <a:noFill/>
                 </a:ln>
@@ -28813,7 +28507,7 @@
               </a:rPr>
               <a:t>)</a:t>
             </a:r>
-            <a:endParaRPr kumimoji="0" lang="zh-CN" altLang="zh-CN" sz="1800" b="0" i="0" u="none" strike="noStrike" cap="none" normalizeH="0" baseline="0" smtClean="0">
+            <a:endParaRPr kumimoji="0" lang="zh-CN" altLang="zh-CN" sz="1800" b="0" i="0" u="none" strike="noStrike" cap="none" normalizeH="0" baseline="0">
               <a:ln>
                 <a:noFill/>
               </a:ln>
@@ -29019,7 +28713,7 @@
               <a:tabLst/>
             </a:pPr>
             <a:r>
-              <a:rPr kumimoji="0" lang="zh-CN" altLang="zh-CN" sz="500" b="1" i="1" u="none" strike="noStrike" cap="none" normalizeH="0" baseline="0" smtClean="0">
+              <a:rPr kumimoji="0" lang="zh-CN" altLang="zh-CN" sz="500" b="1" i="1" u="none" strike="noStrike" cap="none" normalizeH="0" baseline="0">
                 <a:ln>
                   <a:noFill/>
                 </a:ln>
@@ -29031,7 +28725,7 @@
               </a:rPr>
               <a:t>L</a:t>
             </a:r>
-            <a:endParaRPr kumimoji="0" lang="zh-CN" altLang="zh-CN" sz="1800" b="0" i="0" u="none" strike="noStrike" cap="none" normalizeH="0" baseline="0" smtClean="0">
+            <a:endParaRPr kumimoji="0" lang="zh-CN" altLang="zh-CN" sz="1800" b="0" i="0" u="none" strike="noStrike" cap="none" normalizeH="0" baseline="0">
               <a:ln>
                 <a:noFill/>
               </a:ln>
@@ -29237,7 +28931,7 @@
               <a:tabLst/>
             </a:pPr>
             <a:r>
-              <a:rPr kumimoji="0" lang="zh-CN" altLang="zh-CN" sz="500" b="1" i="1" u="none" strike="noStrike" cap="none" normalizeH="0" baseline="0" smtClean="0">
+              <a:rPr kumimoji="0" lang="zh-CN" altLang="zh-CN" sz="500" b="1" i="1" u="none" strike="noStrike" cap="none" normalizeH="0" baseline="0">
                 <a:ln>
                   <a:noFill/>
                 </a:ln>
@@ -29249,7 +28943,7 @@
               </a:rPr>
               <a:t>Q</a:t>
             </a:r>
-            <a:endParaRPr kumimoji="0" lang="zh-CN" altLang="zh-CN" sz="1800" b="0" i="0" u="none" strike="noStrike" cap="none" normalizeH="0" baseline="0" smtClean="0">
+            <a:endParaRPr kumimoji="0" lang="zh-CN" altLang="zh-CN" sz="1800" b="0" i="0" u="none" strike="noStrike" cap="none" normalizeH="0" baseline="0">
               <a:ln>
                 <a:noFill/>
               </a:ln>
@@ -29455,7 +29149,7 @@
               <a:tabLst/>
             </a:pPr>
             <a:r>
-              <a:rPr kumimoji="0" lang="zh-CN" altLang="zh-CN" sz="400" b="1" i="1" u="none" strike="noStrike" cap="none" normalizeH="0" baseline="0" dirty="0" smtClean="0">
+              <a:rPr kumimoji="0" lang="zh-CN" altLang="zh-CN" sz="400" b="1" i="1" u="none" strike="noStrike" cap="none" normalizeH="0" baseline="0" dirty="0">
                 <a:ln>
                   <a:noFill/>
                 </a:ln>
@@ -29467,7 +29161,7 @@
               </a:rPr>
               <a:t>L</a:t>
             </a:r>
-            <a:endParaRPr kumimoji="0" lang="zh-CN" altLang="zh-CN" sz="1800" b="0" i="0" u="none" strike="noStrike" cap="none" normalizeH="0" baseline="0" dirty="0" smtClean="0">
+            <a:endParaRPr kumimoji="0" lang="zh-CN" altLang="zh-CN" sz="1800" b="0" i="0" u="none" strike="noStrike" cap="none" normalizeH="0" baseline="0" dirty="0">
               <a:ln>
                 <a:noFill/>
               </a:ln>
@@ -30709,15 +30403,7 @@
               <a:headEnd/>
               <a:tailEnd/>
             </a:ln>
-            <a:extLst>
-              <a:ext uri="{909E8E84-426E-40DD-AFC4-6F175D3DCCD1}">
-                <a14:hiddenFill xmlns:a14="http://schemas.microsoft.com/office/drawing/2010/main">
-                  <a:solidFill>
-                    <a:srgbClr val="FFFFFF"/>
-                  </a:solidFill>
-                </a14:hiddenFill>
-              </a:ext>
-            </a:extLst>
+            <a:extLst/>
           </p:spPr>
           <p:txBody>
             <a:bodyPr vert="horz" wrap="square" lIns="91440" tIns="45720" rIns="91440" bIns="45720" numCol="1" anchor="t" anchorCtr="0" compatLnSpc="1">
@@ -30757,13 +30443,7 @@
               <a:headEnd/>
               <a:tailEnd/>
             </a:ln>
-            <a:extLst>
-              <a:ext uri="{909E8E84-426E-40DD-AFC4-6F175D3DCCD1}">
-                <a14:hiddenFill xmlns:a14="http://schemas.microsoft.com/office/drawing/2010/main">
-                  <a:noFill/>
-                </a14:hiddenFill>
-              </a:ext>
-            </a:extLst>
+            <a:extLst/>
           </p:spPr>
           <p:txBody>
             <a:bodyPr vert="horz" wrap="square" lIns="91440" tIns="45720" rIns="91440" bIns="45720" numCol="1" anchor="t" anchorCtr="0" compatLnSpc="1">
@@ -30803,13 +30483,7 @@
               <a:headEnd/>
               <a:tailEnd/>
             </a:ln>
-            <a:extLst>
-              <a:ext uri="{909E8E84-426E-40DD-AFC4-6F175D3DCCD1}">
-                <a14:hiddenFill xmlns:a14="http://schemas.microsoft.com/office/drawing/2010/main">
-                  <a:noFill/>
-                </a14:hiddenFill>
-              </a:ext>
-            </a:extLst>
+            <a:extLst/>
           </p:spPr>
           <p:txBody>
             <a:bodyPr vert="horz" wrap="square" lIns="91440" tIns="45720" rIns="91440" bIns="45720" numCol="1" anchor="t" anchorCtr="0" compatLnSpc="1">
@@ -30887,41 +30561,40 @@
           <a:lstStyle/>
           <a:p>
             <a:r>
-              <a:rPr lang="zh-CN" altLang="en-US" dirty="0" smtClean="0"/>
+              <a:rPr lang="zh-CN" altLang="en-US" dirty="0"/>
               <a:t>根据</a:t>
             </a:r>
             <a:r>
-              <a:rPr lang="en-US" altLang="zh-CN" dirty="0" smtClean="0"/>
+              <a:rPr lang="en-US" altLang="zh-CN" dirty="0"/>
               <a:t>《EPANET </a:t>
             </a:r>
             <a:r>
-              <a:rPr lang="zh-CN" altLang="en-US" dirty="0" smtClean="0"/>
+              <a:rPr lang="zh-CN" altLang="en-US" dirty="0"/>
               <a:t>用户手册</a:t>
             </a:r>
             <a:r>
-              <a:rPr lang="en-US" altLang="zh-CN" dirty="0" smtClean="0"/>
+              <a:rPr lang="en-US" altLang="zh-CN" dirty="0"/>
               <a:t>》</a:t>
             </a:r>
             <a:r>
-              <a:rPr lang="zh-CN" altLang="en-US" dirty="0" smtClean="0"/>
+              <a:rPr lang="zh-CN" altLang="en-US" dirty="0"/>
               <a:t>附录</a:t>
             </a:r>
             <a:r>
-              <a:rPr lang="en-US" altLang="zh-CN" dirty="0" smtClean="0"/>
+              <a:rPr lang="en-US" altLang="zh-CN" dirty="0"/>
               <a:t>D</a:t>
             </a:r>
             <a:r>
-              <a:rPr lang="zh-CN" altLang="en-US" dirty="0" smtClean="0"/>
+              <a:rPr lang="zh-CN" altLang="en-US" dirty="0"/>
               <a:t>，节点扩散器为虚拟管道和虚拟水库模拟。</a:t>
             </a:r>
-            <a:endParaRPr lang="en-US" altLang="zh-CN" dirty="0" smtClean="0"/>
+            <a:endParaRPr lang="en-US" altLang="zh-CN" dirty="0"/>
           </a:p>
           <a:p>
             <a:r>
-              <a:rPr lang="zh-CN" altLang="en-US" dirty="0" smtClean="0"/>
+              <a:rPr lang="zh-CN" altLang="en-US" dirty="0"/>
               <a:t>为了确定修改渗漏模型的参数和有效性。</a:t>
             </a:r>
-            <a:endParaRPr lang="zh-CN" altLang="en-US" dirty="0"/>
           </a:p>
         </p:txBody>
       </p:sp>
@@ -30947,20 +30620,8 @@
           <a:lstStyle/>
           <a:p>
             <a:r>
-              <a:rPr lang="en-US" altLang="zh-CN" dirty="0" smtClean="0"/>
-              <a:t>[1] Technical </a:t>
-            </a:r>
-            <a:r>
               <a:rPr lang="en-US" altLang="zh-CN" dirty="0"/>
-              <a:t>Report </a:t>
-            </a:r>
-            <a:r>
-              <a:rPr lang="en-US" altLang="zh-CN" dirty="0" smtClean="0"/>
-              <a:t>2008/02:Pressure Driven Demand </a:t>
-            </a:r>
-            <a:r>
-              <a:rPr lang="en-US" altLang="zh-CN" dirty="0"/>
-              <a:t>Extension for EPANET (</a:t>
+              <a:t>[1] Technical Report 2008/02:Pressure Driven Demand Extension for EPANET (</a:t>
             </a:r>
             <a:r>
               <a:rPr lang="en-US" altLang="zh-CN" dirty="0" err="1"/>
@@ -31020,26 +30681,25 @@
           <a:lstStyle/>
           <a:p>
             <a:r>
-              <a:rPr lang="en-US" altLang="zh-CN" b="1" dirty="0" smtClean="0"/>
+              <a:rPr lang="en-US" altLang="zh-CN" b="1" dirty="0"/>
               <a:t>02</a:t>
             </a:r>
             <a:r>
-              <a:rPr lang="en-US" b="1" dirty="0" smtClean="0"/>
+              <a:rPr lang="en-US" b="1" dirty="0"/>
               <a:t> </a:t>
             </a:r>
             <a:r>
-              <a:rPr lang="zh-CN" altLang="en-US" b="1" dirty="0" smtClean="0"/>
+              <a:rPr lang="zh-CN" altLang="en-US" b="1" dirty="0"/>
               <a:t>研究内容</a:t>
             </a:r>
             <a:r>
-              <a:rPr lang="en-US" altLang="zh-CN" b="1" dirty="0" smtClean="0"/>
+              <a:rPr lang="en-US" altLang="zh-CN" b="1" dirty="0"/>
               <a:t>——</a:t>
             </a:r>
             <a:r>
-              <a:rPr lang="zh-CN" altLang="en-US" sz="3600" b="1" dirty="0" smtClean="0"/>
+              <a:rPr lang="zh-CN" altLang="en-US" sz="3600" b="1" dirty="0"/>
               <a:t>供水管网延时模拟</a:t>
             </a:r>
-            <a:endParaRPr lang="zh-CN" altLang="en-US" sz="3600" b="1" dirty="0"/>
           </a:p>
         </p:txBody>
       </p:sp>
@@ -31066,7 +30726,7 @@
           <a:lstStyle/>
           <a:p>
             <a:r>
-              <a:rPr lang="zh-CN" altLang="en-US" dirty="0" smtClean="0">
+              <a:rPr lang="zh-CN" altLang="en-US" dirty="0">
                 <a:solidFill>
                   <a:srgbClr val="FF0000"/>
                 </a:solidFill>
@@ -31074,10 +30734,9 @@
               <a:t>单时刻模拟</a:t>
             </a:r>
             <a:r>
-              <a:rPr lang="zh-CN" altLang="en-US" dirty="0" smtClean="0"/>
+              <a:rPr lang="zh-CN" altLang="en-US" dirty="0"/>
               <a:t>与延时模拟的破坏模型区别：</a:t>
             </a:r>
-            <a:endParaRPr lang="zh-CN" altLang="en-US" dirty="0"/>
           </a:p>
         </p:txBody>
       </p:sp>
@@ -31155,7 +30814,7 @@
           <a:lstStyle/>
           <a:p>
             <a:r>
-              <a:rPr lang="zh-CN" altLang="zh-CN" smtClean="0">
+              <a:rPr lang="zh-CN" altLang="zh-CN">
                 <a:latin typeface="Times New Roman" panose="02020603050405020304" pitchFamily="18" charset="0"/>
                 <a:ea typeface="宋体" panose="02010600030101010101" pitchFamily="2" charset="-122"/>
                 <a:cs typeface="Times New Roman" panose="02020603050405020304" pitchFamily="18" charset="0"/>
@@ -31163,7 +30822,7 @@
               <a:t>在地震破坏管线拓扑结构构建方面，</a:t>
             </a:r>
             <a:r>
-              <a:rPr lang="zh-CN" altLang="en-US" smtClean="0">
+              <a:rPr lang="zh-CN" altLang="en-US">
                 <a:latin typeface="Times New Roman" panose="02020603050405020304" pitchFamily="18" charset="0"/>
                 <a:ea typeface="宋体" panose="02010600030101010101" pitchFamily="2" charset="-122"/>
                 <a:cs typeface="Times New Roman" panose="02020603050405020304" pitchFamily="18" charset="0"/>
@@ -31171,7 +30830,7 @@
               <a:t>主要采用两</a:t>
             </a:r>
             <a:r>
-              <a:rPr lang="zh-CN" altLang="zh-CN" smtClean="0">
+              <a:rPr lang="zh-CN" altLang="zh-CN">
                 <a:latin typeface="Times New Roman" panose="02020603050405020304" pitchFamily="18" charset="0"/>
                 <a:ea typeface="宋体" panose="02010600030101010101" pitchFamily="2" charset="-122"/>
                 <a:cs typeface="Times New Roman" panose="02020603050405020304" pitchFamily="18" charset="0"/>
@@ -31179,14 +30838,14 @@
               <a:t>类方法：（</a:t>
             </a:r>
             <a:r>
-              <a:rPr lang="en-US" altLang="zh-CN" smtClean="0">
+              <a:rPr lang="en-US" altLang="zh-CN">
                 <a:latin typeface="Times New Roman" panose="02020603050405020304" pitchFamily="18" charset="0"/>
                 <a:ea typeface="宋体" panose="02010600030101010101" pitchFamily="2" charset="-122"/>
               </a:rPr>
               <a:t>1</a:t>
             </a:r>
             <a:r>
-              <a:rPr lang="zh-CN" altLang="zh-CN" smtClean="0">
+              <a:rPr lang="zh-CN" altLang="zh-CN">
                 <a:latin typeface="Times New Roman" panose="02020603050405020304" pitchFamily="18" charset="0"/>
                 <a:ea typeface="宋体" panose="02010600030101010101" pitchFamily="2" charset="-122"/>
                 <a:cs typeface="Times New Roman" panose="02020603050405020304" pitchFamily="18" charset="0"/>
@@ -31194,14 +30853,14 @@
               <a:t>）喷水点模型、（</a:t>
             </a:r>
             <a:r>
-              <a:rPr lang="en-US" altLang="zh-CN" smtClean="0">
+              <a:rPr lang="en-US" altLang="zh-CN">
                 <a:latin typeface="Times New Roman" panose="02020603050405020304" pitchFamily="18" charset="0"/>
                 <a:ea typeface="宋体" panose="02010600030101010101" pitchFamily="2" charset="-122"/>
               </a:rPr>
               <a:t>2</a:t>
             </a:r>
             <a:r>
-              <a:rPr lang="zh-CN" altLang="zh-CN" smtClean="0">
+              <a:rPr lang="zh-CN" altLang="zh-CN">
                 <a:latin typeface="Times New Roman" panose="02020603050405020304" pitchFamily="18" charset="0"/>
                 <a:ea typeface="宋体" panose="02010600030101010101" pitchFamily="2" charset="-122"/>
                 <a:cs typeface="Times New Roman" panose="02020603050405020304" pitchFamily="18" charset="0"/>
@@ -31239,7 +30898,7 @@
               </a:spcAft>
             </a:pPr>
             <a:r>
-              <a:rPr lang="en-US" altLang="zh-CN" kern="100" dirty="0" smtClean="0">
+              <a:rPr lang="en-US" altLang="zh-CN" kern="100" dirty="0">
                 <a:latin typeface="Times New Roman" panose="02020603050405020304" pitchFamily="18" charset="0"/>
                 <a:ea typeface="宋体" panose="02010600030101010101" pitchFamily="2" charset="-122"/>
                 <a:cs typeface="Times New Roman" panose="02020603050405020304" pitchFamily="18" charset="0"/>
@@ -31247,31 +30906,15 @@
               <a:t>1 </a:t>
             </a:r>
             <a:r>
-              <a:rPr lang="zh-CN" altLang="zh-CN" kern="100" dirty="0" smtClean="0">
-                <a:latin typeface="Times New Roman" panose="02020603050405020304" pitchFamily="18" charset="0"/>
-                <a:ea typeface="宋体" panose="02010600030101010101" pitchFamily="2" charset="-122"/>
-                <a:cs typeface="Times New Roman" panose="02020603050405020304" pitchFamily="18" charset="0"/>
-              </a:rPr>
-              <a:t>喷</a:t>
-            </a:r>
-            <a:r>
               <a:rPr lang="zh-CN" altLang="zh-CN" kern="100" dirty="0">
                 <a:latin typeface="Times New Roman" panose="02020603050405020304" pitchFamily="18" charset="0"/>
                 <a:ea typeface="宋体" panose="02010600030101010101" pitchFamily="2" charset="-122"/>
                 <a:cs typeface="Times New Roman" panose="02020603050405020304" pitchFamily="18" charset="0"/>
               </a:rPr>
-              <a:t>水点</a:t>
+              <a:t>喷水点模型</a:t>
             </a:r>
             <a:r>
-              <a:rPr lang="zh-CN" altLang="zh-CN" kern="100" dirty="0" smtClean="0">
-                <a:latin typeface="Times New Roman" panose="02020603050405020304" pitchFamily="18" charset="0"/>
-                <a:ea typeface="宋体" panose="02010600030101010101" pitchFamily="2" charset="-122"/>
-                <a:cs typeface="Times New Roman" panose="02020603050405020304" pitchFamily="18" charset="0"/>
-              </a:rPr>
-              <a:t>模型</a:t>
-            </a:r>
-            <a:r>
-              <a:rPr lang="zh-CN" altLang="en-US" kern="100" dirty="0" smtClean="0">
+              <a:rPr lang="zh-CN" altLang="en-US" kern="100" dirty="0">
                 <a:latin typeface="Times New Roman" panose="02020603050405020304" pitchFamily="18" charset="0"/>
                 <a:ea typeface="宋体" panose="02010600030101010101" pitchFamily="2" charset="-122"/>
                 <a:cs typeface="Times New Roman" panose="02020603050405020304" pitchFamily="18" charset="0"/>
@@ -31279,7 +30922,7 @@
               <a:t>（</a:t>
             </a:r>
             <a:r>
-              <a:rPr lang="en-US" altLang="zh-CN" kern="100" dirty="0" smtClean="0">
+              <a:rPr lang="en-US" altLang="zh-CN" kern="100" dirty="0">
                 <a:latin typeface="Times New Roman" panose="02020603050405020304" pitchFamily="18" charset="0"/>
                 <a:ea typeface="宋体" panose="02010600030101010101" pitchFamily="2" charset="-122"/>
                 <a:cs typeface="Times New Roman" panose="02020603050405020304" pitchFamily="18" charset="0"/>
@@ -31287,7 +30930,7 @@
               <a:t>N-S</a:t>
             </a:r>
             <a:r>
-              <a:rPr lang="zh-CN" altLang="en-US" kern="100" dirty="0" smtClean="0">
+              <a:rPr lang="zh-CN" altLang="en-US" kern="100" dirty="0">
                 <a:latin typeface="Times New Roman" panose="02020603050405020304" pitchFamily="18" charset="0"/>
                 <a:ea typeface="宋体" panose="02010600030101010101" pitchFamily="2" charset="-122"/>
                 <a:cs typeface="Times New Roman" panose="02020603050405020304" pitchFamily="18" charset="0"/>
@@ -31329,7 +30972,7 @@
               </a:spcAft>
             </a:pPr>
             <a:r>
-              <a:rPr lang="en-US" altLang="zh-CN" kern="100" dirty="0" smtClean="0">
+              <a:rPr lang="en-US" altLang="zh-CN" kern="100" dirty="0">
                 <a:latin typeface="Times New Roman" panose="02020603050405020304" pitchFamily="18" charset="0"/>
                 <a:ea typeface="宋体" panose="02010600030101010101" pitchFamily="2" charset="-122"/>
                 <a:cs typeface="Times New Roman" panose="02020603050405020304" pitchFamily="18" charset="0"/>
@@ -31337,31 +30980,15 @@
               <a:t>2 </a:t>
             </a:r>
             <a:r>
-              <a:rPr lang="zh-CN" altLang="zh-CN" kern="100" dirty="0" smtClean="0">
-                <a:latin typeface="Times New Roman" panose="02020603050405020304" pitchFamily="18" charset="0"/>
-                <a:ea typeface="宋体" panose="02010600030101010101" pitchFamily="2" charset="-122"/>
-                <a:cs typeface="Times New Roman" panose="02020603050405020304" pitchFamily="18" charset="0"/>
-              </a:rPr>
-              <a:t>虚拟</a:t>
-            </a:r>
-            <a:r>
               <a:rPr lang="zh-CN" altLang="zh-CN" kern="100" dirty="0">
                 <a:latin typeface="Times New Roman" panose="02020603050405020304" pitchFamily="18" charset="0"/>
                 <a:ea typeface="宋体" panose="02010600030101010101" pitchFamily="2" charset="-122"/>
                 <a:cs typeface="Times New Roman" panose="02020603050405020304" pitchFamily="18" charset="0"/>
               </a:rPr>
-              <a:t>水库</a:t>
+              <a:t>虚拟水库模型</a:t>
             </a:r>
             <a:r>
-              <a:rPr lang="zh-CN" altLang="zh-CN" kern="100" dirty="0" smtClean="0">
-                <a:latin typeface="Times New Roman" panose="02020603050405020304" pitchFamily="18" charset="0"/>
-                <a:ea typeface="宋体" panose="02010600030101010101" pitchFamily="2" charset="-122"/>
-                <a:cs typeface="Times New Roman" panose="02020603050405020304" pitchFamily="18" charset="0"/>
-              </a:rPr>
-              <a:t>模型</a:t>
-            </a:r>
-            <a:r>
-              <a:rPr lang="en-US" altLang="zh-CN" kern="100" dirty="0" smtClean="0">
+              <a:rPr lang="en-US" altLang="zh-CN" kern="100" dirty="0">
                 <a:latin typeface="Times New Roman" panose="02020603050405020304" pitchFamily="18" charset="0"/>
                 <a:ea typeface="宋体" panose="02010600030101010101" pitchFamily="2" charset="-122"/>
                 <a:cs typeface="Times New Roman" panose="02020603050405020304" pitchFamily="18" charset="0"/>
@@ -31376,14 +31003,14 @@
           </a:p>
           <a:p>
             <a:r>
-              <a:rPr lang="en-US" altLang="zh-CN" dirty="0" smtClean="0">
+              <a:rPr lang="en-US" altLang="zh-CN" dirty="0">
                 <a:latin typeface="Times New Roman" panose="02020603050405020304" pitchFamily="18" charset="0"/>
                 <a:ea typeface="宋体" panose="02010600030101010101" pitchFamily="2" charset="-122"/>
               </a:rPr>
               <a:t>Shi (2008) </a:t>
             </a:r>
             <a:r>
-              <a:rPr lang="zh-CN" altLang="zh-CN" dirty="0" smtClean="0">
+              <a:rPr lang="zh-CN" altLang="zh-CN" dirty="0">
                 <a:latin typeface="Times New Roman" panose="02020603050405020304" pitchFamily="18" charset="0"/>
                 <a:ea typeface="宋体" panose="02010600030101010101" pitchFamily="2" charset="-122"/>
                 <a:cs typeface="Times New Roman" panose="02020603050405020304" pitchFamily="18" charset="0"/>
@@ -31391,7 +31018,7 @@
               <a:t>采用虚拟水库模拟管道渗漏，在破坏位置增加节点，并在节点和虚拟水库之间用虚拟管道连接，虚拟管道上有单向的止回阀</a:t>
             </a:r>
             <a:r>
-              <a:rPr lang="zh-CN" altLang="en-US" dirty="0" smtClean="0">
+              <a:rPr lang="zh-CN" altLang="en-US" dirty="0">
                 <a:latin typeface="Times New Roman" panose="02020603050405020304" pitchFamily="18" charset="0"/>
                 <a:ea typeface="宋体" panose="02010600030101010101" pitchFamily="2" charset="-122"/>
                 <a:cs typeface="Times New Roman" panose="02020603050405020304" pitchFamily="18" charset="0"/>
@@ -31429,7 +31056,7 @@
               </a:spcAft>
             </a:pPr>
             <a:r>
-              <a:rPr lang="en-US" altLang="zh-CN" kern="100" dirty="0" smtClean="0">
+              <a:rPr lang="en-US" altLang="zh-CN" kern="100" dirty="0">
                 <a:latin typeface="Times New Roman" panose="02020603050405020304" pitchFamily="18" charset="0"/>
                 <a:ea typeface="宋体" panose="02010600030101010101" pitchFamily="2" charset="-122"/>
                 <a:cs typeface="Times New Roman" panose="02020603050405020304" pitchFamily="18" charset="0"/>
@@ -31437,20 +31064,12 @@
               <a:t>3 </a:t>
             </a:r>
             <a:r>
-              <a:rPr lang="zh-CN" altLang="zh-CN" kern="100" dirty="0" smtClean="0">
-                <a:latin typeface="Times New Roman" panose="02020603050405020304" pitchFamily="18" charset="0"/>
-                <a:ea typeface="宋体" panose="02010600030101010101" pitchFamily="2" charset="-122"/>
-                <a:cs typeface="Times New Roman" panose="02020603050405020304" pitchFamily="18" charset="0"/>
-              </a:rPr>
-              <a:t>改进</a:t>
-            </a:r>
-            <a:r>
               <a:rPr lang="zh-CN" altLang="zh-CN" kern="100" dirty="0">
                 <a:latin typeface="Times New Roman" panose="02020603050405020304" pitchFamily="18" charset="0"/>
                 <a:ea typeface="宋体" panose="02010600030101010101" pitchFamily="2" charset="-122"/>
                 <a:cs typeface="Times New Roman" panose="02020603050405020304" pitchFamily="18" charset="0"/>
               </a:rPr>
-              <a:t>的</a:t>
+              <a:t>改进的</a:t>
             </a:r>
             <a:r>
               <a:rPr lang="en-US" altLang="zh-CN" kern="100" dirty="0">
@@ -31525,7 +31144,7 @@
           <a:lstStyle/>
           <a:p>
             <a:r>
-              <a:rPr lang="en-US" altLang="zh-CN" dirty="0" smtClean="0">
+              <a:rPr lang="en-US" altLang="zh-CN" dirty="0">
                 <a:latin typeface="Times New Roman" panose="02020603050405020304" pitchFamily="18" charset="0"/>
                 <a:ea typeface="宋体" panose="02010600030101010101" pitchFamily="2" charset="-122"/>
                 <a:cs typeface="Times New Roman" panose="02020603050405020304" pitchFamily="18" charset="0"/>
@@ -31533,20 +31152,12 @@
               <a:t>4 </a:t>
             </a:r>
             <a:r>
-              <a:rPr lang="zh-CN" altLang="zh-CN" dirty="0" smtClean="0">
-                <a:latin typeface="Times New Roman" panose="02020603050405020304" pitchFamily="18" charset="0"/>
-                <a:ea typeface="宋体" panose="02010600030101010101" pitchFamily="2" charset="-122"/>
-                <a:cs typeface="Times New Roman" panose="02020603050405020304" pitchFamily="18" charset="0"/>
-              </a:rPr>
-              <a:t>改进</a:t>
-            </a:r>
-            <a:r>
               <a:rPr lang="zh-CN" altLang="zh-CN" dirty="0">
                 <a:latin typeface="Times New Roman" panose="02020603050405020304" pitchFamily="18" charset="0"/>
                 <a:ea typeface="宋体" panose="02010600030101010101" pitchFamily="2" charset="-122"/>
                 <a:cs typeface="Times New Roman" panose="02020603050405020304" pitchFamily="18" charset="0"/>
               </a:rPr>
-              <a:t>的</a:t>
+              <a:t>改进的</a:t>
             </a:r>
             <a:r>
               <a:rPr lang="en-US" altLang="zh-CN" dirty="0">
@@ -31646,26 +31257,25 @@
           <a:lstStyle/>
           <a:p>
             <a:r>
-              <a:rPr lang="en-US" altLang="zh-CN" b="1" dirty="0" smtClean="0"/>
+              <a:rPr lang="en-US" altLang="zh-CN" b="1" dirty="0"/>
               <a:t>02</a:t>
             </a:r>
             <a:r>
-              <a:rPr lang="en-US" b="1" dirty="0" smtClean="0"/>
+              <a:rPr lang="en-US" b="1" dirty="0"/>
               <a:t> </a:t>
             </a:r>
             <a:r>
-              <a:rPr lang="zh-CN" altLang="en-US" b="1" dirty="0" smtClean="0"/>
+              <a:rPr lang="zh-CN" altLang="en-US" b="1" dirty="0"/>
               <a:t>研究内容</a:t>
             </a:r>
             <a:r>
-              <a:rPr lang="en-US" altLang="zh-CN" b="1" dirty="0" smtClean="0"/>
+              <a:rPr lang="en-US" altLang="zh-CN" b="1" dirty="0"/>
               <a:t>——</a:t>
             </a:r>
             <a:r>
-              <a:rPr lang="zh-CN" altLang="en-US" sz="3600" b="1" dirty="0" smtClean="0"/>
+              <a:rPr lang="zh-CN" altLang="en-US" sz="3600" b="1" dirty="0"/>
               <a:t>供水管网延时模拟</a:t>
             </a:r>
-            <a:endParaRPr lang="zh-CN" altLang="en-US" sz="3600" b="1" dirty="0"/>
           </a:p>
         </p:txBody>
       </p:sp>
@@ -31950,7 +31560,7 @@
                 <a:tabLst/>
               </a:pPr>
               <a:r>
-                <a:rPr kumimoji="0" lang="en-US" altLang="zh-CN" sz="1000" b="0" i="0" u="none" strike="noStrike" cap="none" normalizeH="0" baseline="0" smtClean="0">
+                <a:rPr kumimoji="0" lang="en-US" altLang="zh-CN" sz="1000" b="0" i="0" u="none" strike="noStrike" cap="none" normalizeH="0" baseline="0">
                   <a:ln>
                     <a:noFill/>
                   </a:ln>
@@ -31964,7 +31574,7 @@
                 </a:rPr>
                 <a:t>P1</a:t>
               </a:r>
-              <a:endParaRPr kumimoji="0" lang="en-US" altLang="zh-CN" sz="1800" b="0" i="0" u="none" strike="noStrike" cap="none" normalizeH="0" baseline="0" smtClean="0">
+              <a:endParaRPr kumimoji="0" lang="en-US" altLang="zh-CN" sz="1800" b="0" i="0" u="none" strike="noStrike" cap="none" normalizeH="0" baseline="0">
                 <a:ln>
                   <a:noFill/>
                 </a:ln>
@@ -32088,7 +31698,7 @@
                 <a:tabLst/>
               </a:pPr>
               <a:r>
-                <a:rPr kumimoji="0" lang="en-US" altLang="zh-CN" sz="1000" b="0" i="0" u="none" strike="noStrike" cap="none" normalizeH="0" baseline="0" smtClean="0">
+                <a:rPr kumimoji="0" lang="en-US" altLang="zh-CN" sz="1000" b="0" i="0" u="none" strike="noStrike" cap="none" normalizeH="0" baseline="0">
                   <a:ln>
                     <a:noFill/>
                   </a:ln>
@@ -32102,7 +31712,7 @@
                 </a:rPr>
                 <a:t>P2</a:t>
               </a:r>
-              <a:endParaRPr kumimoji="0" lang="en-US" altLang="zh-CN" sz="1800" b="0" i="0" u="none" strike="noStrike" cap="none" normalizeH="0" baseline="0" smtClean="0">
+              <a:endParaRPr kumimoji="0" lang="en-US" altLang="zh-CN" sz="1800" b="0" i="0" u="none" strike="noStrike" cap="none" normalizeH="0" baseline="0">
                 <a:ln>
                   <a:noFill/>
                 </a:ln>
@@ -32221,7 +31831,7 @@
                 <a:tabLst/>
               </a:pPr>
               <a:r>
-                <a:rPr kumimoji="0" lang="en-US" altLang="zh-CN" sz="1000" b="0" i="0" u="none" strike="noStrike" cap="none" normalizeH="0" baseline="0" smtClean="0">
+                <a:rPr kumimoji="0" lang="en-US" altLang="zh-CN" sz="1000" b="0" i="0" u="none" strike="noStrike" cap="none" normalizeH="0" baseline="0">
                   <a:ln>
                     <a:noFill/>
                   </a:ln>
@@ -32235,7 +31845,7 @@
                 </a:rPr>
                 <a:t>J2</a:t>
               </a:r>
-              <a:endParaRPr kumimoji="0" lang="en-US" altLang="zh-CN" sz="1800" b="0" i="0" u="none" strike="noStrike" cap="none" normalizeH="0" baseline="0" smtClean="0">
+              <a:endParaRPr kumimoji="0" lang="en-US" altLang="zh-CN" sz="1800" b="0" i="0" u="none" strike="noStrike" cap="none" normalizeH="0" baseline="0">
                 <a:ln>
                   <a:noFill/>
                 </a:ln>
@@ -32354,7 +31964,7 @@
                 <a:tabLst/>
               </a:pPr>
               <a:r>
-                <a:rPr kumimoji="0" lang="en-US" altLang="zh-CN" sz="1000" b="0" i="0" u="none" strike="noStrike" cap="none" normalizeH="0" baseline="0" smtClean="0">
+                <a:rPr kumimoji="0" lang="en-US" altLang="zh-CN" sz="1000" b="0" i="0" u="none" strike="noStrike" cap="none" normalizeH="0" baseline="0">
                   <a:ln>
                     <a:noFill/>
                   </a:ln>
@@ -32368,7 +31978,7 @@
                 </a:rPr>
                 <a:t>J3</a:t>
               </a:r>
-              <a:endParaRPr kumimoji="0" lang="en-US" altLang="zh-CN" sz="1800" b="0" i="0" u="none" strike="noStrike" cap="none" normalizeH="0" baseline="0" smtClean="0">
+              <a:endParaRPr kumimoji="0" lang="en-US" altLang="zh-CN" sz="1800" b="0" i="0" u="none" strike="noStrike" cap="none" normalizeH="0" baseline="0">
                 <a:ln>
                   <a:noFill/>
                 </a:ln>
@@ -32580,7 +32190,7 @@
                 <a:tabLst/>
               </a:pPr>
               <a:r>
-                <a:rPr kumimoji="0" lang="en-US" altLang="zh-CN" sz="1000" b="0" i="0" u="none" strike="noStrike" cap="none" normalizeH="0" baseline="0" smtClean="0">
+                <a:rPr kumimoji="0" lang="en-US" altLang="zh-CN" sz="1000" b="0" i="0" u="none" strike="noStrike" cap="none" normalizeH="0" baseline="0">
                   <a:ln>
                     <a:noFill/>
                   </a:ln>
@@ -32594,7 +32204,7 @@
                 </a:rPr>
                 <a:t>R1</a:t>
               </a:r>
-              <a:endParaRPr kumimoji="0" lang="en-US" altLang="zh-CN" sz="1800" b="0" i="0" u="none" strike="noStrike" cap="none" normalizeH="0" baseline="0" smtClean="0">
+              <a:endParaRPr kumimoji="0" lang="en-US" altLang="zh-CN" sz="1800" b="0" i="0" u="none" strike="noStrike" cap="none" normalizeH="0" baseline="0">
                 <a:ln>
                   <a:noFill/>
                 </a:ln>
@@ -32673,7 +32283,7 @@
                 <a:tabLst/>
               </a:pPr>
               <a:r>
-                <a:rPr kumimoji="0" lang="en-US" altLang="zh-CN" sz="1000" b="0" i="1" u="none" strike="noStrike" cap="none" normalizeH="0" baseline="0" smtClean="0">
+                <a:rPr kumimoji="0" lang="en-US" altLang="zh-CN" sz="1000" b="0" i="1" u="none" strike="noStrike" cap="none" normalizeH="0" baseline="0">
                   <a:ln>
                     <a:noFill/>
                   </a:ln>
@@ -32688,7 +32298,7 @@
                 <a:t>L</a:t>
               </a:r>
               <a:r>
-                <a:rPr kumimoji="0" lang="en-US" altLang="zh-CN" sz="1000" b="0" i="0" u="none" strike="noStrike" cap="none" normalizeH="0" baseline="0" smtClean="0">
+                <a:rPr kumimoji="0" lang="en-US" altLang="zh-CN" sz="1000" b="0" i="0" u="none" strike="noStrike" cap="none" normalizeH="0" baseline="0">
                   <a:ln>
                     <a:noFill/>
                   </a:ln>
@@ -32703,7 +32313,7 @@
                 <a:t>=2000;</a:t>
               </a:r>
               <a:r>
-                <a:rPr kumimoji="0" lang="en-US" altLang="zh-CN" sz="1000" b="0" i="1" u="none" strike="noStrike" cap="none" normalizeH="0" baseline="0" smtClean="0">
+                <a:rPr kumimoji="0" lang="en-US" altLang="zh-CN" sz="1000" b="0" i="1" u="none" strike="noStrike" cap="none" normalizeH="0" baseline="0">
                   <a:ln>
                     <a:noFill/>
                   </a:ln>
@@ -32718,7 +32328,7 @@
                 <a:t>D</a:t>
               </a:r>
               <a:r>
-                <a:rPr kumimoji="0" lang="en-US" altLang="zh-CN" sz="1000" b="0" i="0" u="none" strike="noStrike" cap="none" normalizeH="0" baseline="0" smtClean="0">
+                <a:rPr kumimoji="0" lang="en-US" altLang="zh-CN" sz="1000" b="0" i="0" u="none" strike="noStrike" cap="none" normalizeH="0" baseline="0">
                   <a:ln>
                     <a:noFill/>
                   </a:ln>
@@ -32732,7 +32342,7 @@
                 </a:rPr>
                 <a:t>=1200</a:t>
               </a:r>
-              <a:endParaRPr kumimoji="0" lang="en-US" altLang="zh-CN" sz="1800" b="0" i="0" u="none" strike="noStrike" cap="none" normalizeH="0" baseline="0" smtClean="0">
+              <a:endParaRPr kumimoji="0" lang="en-US" altLang="zh-CN" sz="1800" b="0" i="0" u="none" strike="noStrike" cap="none" normalizeH="0" baseline="0">
                 <a:ln>
                   <a:noFill/>
                 </a:ln>
@@ -32811,7 +32421,7 @@
                 <a:tabLst/>
               </a:pPr>
               <a:r>
-                <a:rPr kumimoji="0" lang="en-US" altLang="zh-CN" sz="1000" b="0" i="1" u="none" strike="noStrike" cap="none" normalizeH="0" baseline="0" smtClean="0">
+                <a:rPr kumimoji="0" lang="en-US" altLang="zh-CN" sz="1000" b="0" i="1" u="none" strike="noStrike" cap="none" normalizeH="0" baseline="0">
                   <a:ln>
                     <a:noFill/>
                   </a:ln>
@@ -32826,7 +32436,7 @@
                 <a:t>L</a:t>
               </a:r>
               <a:r>
-                <a:rPr kumimoji="0" lang="en-US" altLang="zh-CN" sz="1000" b="0" i="0" u="none" strike="noStrike" cap="none" normalizeH="0" baseline="0" smtClean="0">
+                <a:rPr kumimoji="0" lang="en-US" altLang="zh-CN" sz="1000" b="0" i="0" u="none" strike="noStrike" cap="none" normalizeH="0" baseline="0">
                   <a:ln>
                     <a:noFill/>
                   </a:ln>
@@ -32841,7 +32451,7 @@
                 <a:t>=2000;</a:t>
               </a:r>
               <a:r>
-                <a:rPr kumimoji="0" lang="en-US" altLang="zh-CN" sz="1000" b="0" i="1" u="none" strike="noStrike" cap="none" normalizeH="0" baseline="0" smtClean="0">
+                <a:rPr kumimoji="0" lang="en-US" altLang="zh-CN" sz="1000" b="0" i="1" u="none" strike="noStrike" cap="none" normalizeH="0" baseline="0">
                   <a:ln>
                     <a:noFill/>
                   </a:ln>
@@ -32856,7 +32466,7 @@
                 <a:t>D</a:t>
               </a:r>
               <a:r>
-                <a:rPr kumimoji="0" lang="en-US" altLang="zh-CN" sz="1000" b="0" i="0" u="none" strike="noStrike" cap="none" normalizeH="0" baseline="0" smtClean="0">
+                <a:rPr kumimoji="0" lang="en-US" altLang="zh-CN" sz="1000" b="0" i="0" u="none" strike="noStrike" cap="none" normalizeH="0" baseline="0">
                   <a:ln>
                     <a:noFill/>
                   </a:ln>
@@ -32870,7 +32480,7 @@
                 </a:rPr>
                 <a:t>=1200</a:t>
               </a:r>
-              <a:endParaRPr kumimoji="0" lang="en-US" altLang="zh-CN" sz="1800" b="0" i="0" u="none" strike="noStrike" cap="none" normalizeH="0" baseline="0" smtClean="0">
+              <a:endParaRPr kumimoji="0" lang="en-US" altLang="zh-CN" sz="1800" b="0" i="0" u="none" strike="noStrike" cap="none" normalizeH="0" baseline="0">
                 <a:ln>
                   <a:noFill/>
                 </a:ln>
@@ -33600,7 +33210,7 @@
           <a:graphicData uri="http://schemas.openxmlformats.org/presentationml/2006/ole">
             <mc:AlternateContent xmlns:mc="http://schemas.openxmlformats.org/markup-compatibility/2006">
               <mc:Choice xmlns:v="urn:schemas-microsoft-com:vml" Requires="v">
-                <p:oleObj spid="_x0000_s4142" name="Graph" r:id="rId3" imgW="3468600" imgH="2592957" progId="Origin50.Graph">
+                <p:oleObj spid="_x0000_s4144" name="Graph" r:id="rId3" imgW="3468600" imgH="2592957" progId="Origin50.Graph">
                   <p:embed/>
                 </p:oleObj>
               </mc:Choice>
@@ -33815,13 +33425,7 @@
                         <a:rPr lang="zh-CN" sz="1050" kern="100" dirty="0">
                           <a:effectLst/>
                         </a:rPr>
-                        <a:t>破坏点</a:t>
-                      </a:r>
-                      <a:r>
-                        <a:rPr lang="zh-CN" sz="1050" kern="100" dirty="0" smtClean="0">
-                          <a:effectLst/>
-                        </a:rPr>
-                        <a:t>位置</a:t>
+                        <a:t>破坏点位置</a:t>
                       </a:r>
                       <a:endParaRPr lang="zh-CN" sz="1050" kern="100" dirty="0">
                         <a:effectLst/>
@@ -34336,7 +33940,7 @@
           <a:graphicData uri="http://schemas.openxmlformats.org/presentationml/2006/ole">
             <mc:AlternateContent xmlns:mc="http://schemas.openxmlformats.org/markup-compatibility/2006">
               <mc:Choice xmlns:v="urn:schemas-microsoft-com:vml" Requires="v">
-                <p:oleObj spid="_x0000_s4143" name="Graph" r:id="rId5" imgW="6752160" imgH="2675267" progId="Origin50.Graph">
+                <p:oleObj spid="_x0000_s4145" name="Graph" r:id="rId5" imgW="6752160" imgH="2675267" progId="Origin50.Graph">
                   <p:embed/>
                 </p:oleObj>
               </mc:Choice>
@@ -34419,21 +34023,21 @@
               <a:t> </a:t>
             </a:r>
             <a:r>
-              <a:rPr lang="zh-CN" altLang="en-US" b="1" dirty="0" smtClean="0">
+              <a:rPr lang="zh-CN" altLang="en-US" b="1" dirty="0">
                 <a:latin typeface="Times New Roman" panose="02020603050405020304" pitchFamily="18" charset="0"/>
                 <a:ea typeface="宋体" panose="02010600030101010101" pitchFamily="2" charset="-122"/>
               </a:rPr>
               <a:t>结论</a:t>
             </a:r>
             <a:r>
-              <a:rPr lang="zh-CN" altLang="en-US" dirty="0" smtClean="0">
+              <a:rPr lang="zh-CN" altLang="en-US" dirty="0">
                 <a:latin typeface="Times New Roman" panose="02020603050405020304" pitchFamily="18" charset="0"/>
                 <a:ea typeface="宋体" panose="02010600030101010101" pitchFamily="2" charset="-122"/>
               </a:rPr>
               <a:t>：</a:t>
             </a:r>
             <a:r>
-              <a:rPr lang="en-US" altLang="zh-CN" dirty="0" smtClean="0">
+              <a:rPr lang="en-US" altLang="zh-CN" dirty="0">
                 <a:latin typeface="Times New Roman" panose="02020603050405020304" pitchFamily="18" charset="0"/>
                 <a:ea typeface="宋体" panose="02010600030101010101" pitchFamily="2" charset="-122"/>
               </a:rPr>
